--- a/docs/fornax-design/open source meeting 0329.pptx
+++ b/docs/fornax-design/open source meeting 0329.pptx
@@ -8,9 +8,8 @@
     <p:sldId id="325" r:id="rId2"/>
     <p:sldId id="331" r:id="rId3"/>
     <p:sldId id="332" r:id="rId4"/>
-    <p:sldId id="333" r:id="rId5"/>
-    <p:sldId id="334" r:id="rId6"/>
-    <p:sldId id="335" r:id="rId7"/>
+    <p:sldId id="334" r:id="rId5"/>
+    <p:sldId id="339" r:id="rId6"/>
   </p:sldIdLst>
   <p:sldSz cx="12192000" cy="6858000"/>
   <p:notesSz cx="6858000" cy="9144000"/>
@@ -9536,2374 +9535,6 @@
           <p:cNvPr id="2" name="Title 1">
             <a:extLst>
               <a:ext uri="{FF2B5EF4-FFF2-40B4-BE49-F238E27FC236}">
-                <a16:creationId xmlns:a16="http://schemas.microsoft.com/office/drawing/2014/main" id="{72E7EB9C-7D3F-3949-B993-E7AF87BBE371}"/>
-              </a:ext>
-            </a:extLst>
-          </p:cNvPr>
-          <p:cNvSpPr>
-            <a:spLocks noGrp="1"/>
-          </p:cNvSpPr>
-          <p:nvPr>
-            <p:ph type="title"/>
-          </p:nvPr>
-        </p:nvSpPr>
-        <p:spPr>
-          <a:xfrm>
-            <a:off x="0" y="-16255"/>
-            <a:ext cx="5257800" cy="1325563"/>
-          </a:xfrm>
-        </p:spPr>
-        <p:txBody>
-          <a:bodyPr>
-            <a:normAutofit/>
-          </a:bodyPr>
-          <a:lstStyle/>
-          <a:p>
-            <a:r>
-              <a:rPr lang="en-US" sz="3200" dirty="0"/>
-              <a:t>Use Case 3</a:t>
-            </a:r>
-          </a:p>
-        </p:txBody>
-      </p:sp>
-      <p:sp>
-        <p:nvSpPr>
-          <p:cNvPr id="41" name="Can 40">
-            <a:extLst>
-              <a:ext uri="{FF2B5EF4-FFF2-40B4-BE49-F238E27FC236}">
-                <a16:creationId xmlns:a16="http://schemas.microsoft.com/office/drawing/2014/main" id="{E99355BB-658A-F449-81B6-26BBF8127049}"/>
-              </a:ext>
-            </a:extLst>
-          </p:cNvPr>
-          <p:cNvSpPr/>
-          <p:nvPr/>
-        </p:nvSpPr>
-        <p:spPr>
-          <a:xfrm>
-            <a:off x="1984662" y="3323412"/>
-            <a:ext cx="8155256" cy="2416611"/>
-          </a:xfrm>
-          <a:prstGeom prst="can">
-            <a:avLst/>
-          </a:prstGeom>
-          <a:noFill/>
-          <a:ln>
-            <a:solidFill>
-              <a:schemeClr val="accent5">
-                <a:lumMod val="40000"/>
-                <a:lumOff val="60000"/>
-              </a:schemeClr>
-            </a:solidFill>
-            <a:prstDash val="sysDash"/>
-          </a:ln>
-        </p:spPr>
-        <p:style>
-          <a:lnRef idx="2">
-            <a:schemeClr val="accent1">
-              <a:shade val="50000"/>
-            </a:schemeClr>
-          </a:lnRef>
-          <a:fillRef idx="1">
-            <a:schemeClr val="accent1"/>
-          </a:fillRef>
-          <a:effectRef idx="0">
-            <a:schemeClr val="accent1"/>
-          </a:effectRef>
-          <a:fontRef idx="minor">
-            <a:schemeClr val="lt1"/>
-          </a:fontRef>
-        </p:style>
-        <p:txBody>
-          <a:bodyPr rtlCol="0" anchor="ctr"/>
-          <a:lstStyle/>
-          <a:p>
-            <a:pPr algn="ctr"/>
-            <a:endParaRPr lang="en-US" sz="1200" dirty="0">
-              <a:solidFill>
-                <a:schemeClr val="bg1"/>
-              </a:solidFill>
-            </a:endParaRPr>
-          </a:p>
-        </p:txBody>
-      </p:sp>
-      <p:sp>
-        <p:nvSpPr>
-          <p:cNvPr id="52" name="Can 51">
-            <a:extLst>
-              <a:ext uri="{FF2B5EF4-FFF2-40B4-BE49-F238E27FC236}">
-                <a16:creationId xmlns:a16="http://schemas.microsoft.com/office/drawing/2014/main" id="{B65746F6-6490-FB43-A8E5-2DDB7DA32EE9}"/>
-              </a:ext>
-            </a:extLst>
-          </p:cNvPr>
-          <p:cNvSpPr/>
-          <p:nvPr/>
-        </p:nvSpPr>
-        <p:spPr>
-          <a:xfrm>
-            <a:off x="2519294" y="4736250"/>
-            <a:ext cx="364591" cy="328847"/>
-          </a:xfrm>
-          <a:prstGeom prst="can">
-            <a:avLst/>
-          </a:prstGeom>
-          <a:solidFill>
-            <a:srgbClr val="FF7E79"/>
-          </a:solidFill>
-          <a:ln>
-            <a:solidFill>
-              <a:schemeClr val="bg1">
-                <a:lumMod val="50000"/>
-              </a:schemeClr>
-            </a:solidFill>
-          </a:ln>
-        </p:spPr>
-        <p:style>
-          <a:lnRef idx="2">
-            <a:schemeClr val="accent1">
-              <a:shade val="50000"/>
-            </a:schemeClr>
-          </a:lnRef>
-          <a:fillRef idx="1">
-            <a:schemeClr val="accent1"/>
-          </a:fillRef>
-          <a:effectRef idx="0">
-            <a:schemeClr val="accent1"/>
-          </a:effectRef>
-          <a:fontRef idx="minor">
-            <a:schemeClr val="lt1"/>
-          </a:fontRef>
-        </p:style>
-        <p:txBody>
-          <a:bodyPr rtlCol="0" anchor="ctr"/>
-          <a:lstStyle/>
-          <a:p>
-            <a:pPr algn="ctr"/>
-            <a:endParaRPr lang="en-US" sz="1000"/>
-          </a:p>
-        </p:txBody>
-      </p:sp>
-      <p:sp>
-        <p:nvSpPr>
-          <p:cNvPr id="54" name="Rounded Rectangle 53">
-            <a:extLst>
-              <a:ext uri="{FF2B5EF4-FFF2-40B4-BE49-F238E27FC236}">
-                <a16:creationId xmlns:a16="http://schemas.microsoft.com/office/drawing/2014/main" id="{CE132596-DE66-B54E-AB5C-C8F297D46922}"/>
-              </a:ext>
-            </a:extLst>
-          </p:cNvPr>
-          <p:cNvSpPr/>
-          <p:nvPr/>
-        </p:nvSpPr>
-        <p:spPr>
-          <a:xfrm>
-            <a:off x="2340739" y="4525579"/>
-            <a:ext cx="995181" cy="690252"/>
-          </a:xfrm>
-          <a:prstGeom prst="roundRect">
-            <a:avLst/>
-          </a:prstGeom>
-          <a:noFill/>
-          <a:ln>
-            <a:solidFill>
-              <a:schemeClr val="bg1">
-                <a:lumMod val="75000"/>
-              </a:schemeClr>
-            </a:solidFill>
-            <a:prstDash val="dash"/>
-          </a:ln>
-        </p:spPr>
-        <p:style>
-          <a:lnRef idx="2">
-            <a:schemeClr val="accent1">
-              <a:shade val="50000"/>
-            </a:schemeClr>
-          </a:lnRef>
-          <a:fillRef idx="1">
-            <a:schemeClr val="accent1"/>
-          </a:fillRef>
-          <a:effectRef idx="0">
-            <a:schemeClr val="accent1"/>
-          </a:effectRef>
-          <a:fontRef idx="minor">
-            <a:schemeClr val="lt1"/>
-          </a:fontRef>
-        </p:style>
-        <p:txBody>
-          <a:bodyPr rtlCol="0" anchor="ctr"/>
-          <a:lstStyle/>
-          <a:p>
-            <a:pPr algn="ctr"/>
-            <a:endParaRPr lang="en-US" sz="1000" baseline="-25000" dirty="0">
-              <a:solidFill>
-                <a:schemeClr val="tx1"/>
-              </a:solidFill>
-            </a:endParaRPr>
-          </a:p>
-        </p:txBody>
-      </p:sp>
-      <p:sp>
-        <p:nvSpPr>
-          <p:cNvPr id="58" name="Can 57">
-            <a:extLst>
-              <a:ext uri="{FF2B5EF4-FFF2-40B4-BE49-F238E27FC236}">
-                <a16:creationId xmlns:a16="http://schemas.microsoft.com/office/drawing/2014/main" id="{4E582530-3B17-1F4E-AA84-AFFE874E68A3}"/>
-              </a:ext>
-            </a:extLst>
-          </p:cNvPr>
-          <p:cNvSpPr/>
-          <p:nvPr/>
-        </p:nvSpPr>
-        <p:spPr>
-          <a:xfrm>
-            <a:off x="5438833" y="4684330"/>
-            <a:ext cx="364591" cy="365039"/>
-          </a:xfrm>
-          <a:prstGeom prst="can">
-            <a:avLst/>
-          </a:prstGeom>
-          <a:solidFill>
-            <a:srgbClr val="FF7E79"/>
-          </a:solidFill>
-          <a:ln>
-            <a:solidFill>
-              <a:schemeClr val="bg1">
-                <a:lumMod val="50000"/>
-              </a:schemeClr>
-            </a:solidFill>
-          </a:ln>
-        </p:spPr>
-        <p:style>
-          <a:lnRef idx="2">
-            <a:schemeClr val="accent1">
-              <a:shade val="50000"/>
-            </a:schemeClr>
-          </a:lnRef>
-          <a:fillRef idx="1">
-            <a:schemeClr val="accent1"/>
-          </a:fillRef>
-          <a:effectRef idx="0">
-            <a:schemeClr val="accent1"/>
-          </a:effectRef>
-          <a:fontRef idx="minor">
-            <a:schemeClr val="lt1"/>
-          </a:fontRef>
-        </p:style>
-        <p:txBody>
-          <a:bodyPr rtlCol="0" anchor="ctr"/>
-          <a:lstStyle/>
-          <a:p>
-            <a:pPr algn="ctr"/>
-            <a:endParaRPr lang="en-US" sz="1000"/>
-          </a:p>
-        </p:txBody>
-      </p:sp>
-      <p:sp>
-        <p:nvSpPr>
-          <p:cNvPr id="61" name="Rounded Rectangle 60">
-            <a:extLst>
-              <a:ext uri="{FF2B5EF4-FFF2-40B4-BE49-F238E27FC236}">
-                <a16:creationId xmlns:a16="http://schemas.microsoft.com/office/drawing/2014/main" id="{FC873F75-F449-3E4C-BBC8-0FCFEB7D493B}"/>
-              </a:ext>
-            </a:extLst>
-          </p:cNvPr>
-          <p:cNvSpPr/>
-          <p:nvPr/>
-        </p:nvSpPr>
-        <p:spPr>
-          <a:xfrm>
-            <a:off x="5340401" y="4529420"/>
-            <a:ext cx="995181" cy="690252"/>
-          </a:xfrm>
-          <a:prstGeom prst="roundRect">
-            <a:avLst/>
-          </a:prstGeom>
-          <a:noFill/>
-          <a:ln>
-            <a:solidFill>
-              <a:schemeClr val="bg1">
-                <a:lumMod val="75000"/>
-              </a:schemeClr>
-            </a:solidFill>
-            <a:prstDash val="dash"/>
-          </a:ln>
-        </p:spPr>
-        <p:style>
-          <a:lnRef idx="2">
-            <a:schemeClr val="accent1">
-              <a:shade val="50000"/>
-            </a:schemeClr>
-          </a:lnRef>
-          <a:fillRef idx="1">
-            <a:schemeClr val="accent1"/>
-          </a:fillRef>
-          <a:effectRef idx="0">
-            <a:schemeClr val="accent1"/>
-          </a:effectRef>
-          <a:fontRef idx="minor">
-            <a:schemeClr val="lt1"/>
-          </a:fontRef>
-        </p:style>
-        <p:txBody>
-          <a:bodyPr rtlCol="0" anchor="ctr"/>
-          <a:lstStyle/>
-          <a:p>
-            <a:pPr algn="ctr"/>
-            <a:endParaRPr lang="en-US" sz="1000" baseline="-25000" dirty="0">
-              <a:solidFill>
-                <a:schemeClr val="tx1"/>
-              </a:solidFill>
-            </a:endParaRPr>
-          </a:p>
-        </p:txBody>
-      </p:sp>
-      <p:sp>
-        <p:nvSpPr>
-          <p:cNvPr id="65" name="Can 64">
-            <a:extLst>
-              <a:ext uri="{FF2B5EF4-FFF2-40B4-BE49-F238E27FC236}">
-                <a16:creationId xmlns:a16="http://schemas.microsoft.com/office/drawing/2014/main" id="{ADECD5DB-AB6A-0342-98E3-4BB612FA683E}"/>
-              </a:ext>
-            </a:extLst>
-          </p:cNvPr>
-          <p:cNvSpPr/>
-          <p:nvPr/>
-        </p:nvSpPr>
-        <p:spPr>
-          <a:xfrm>
-            <a:off x="8279291" y="4760459"/>
-            <a:ext cx="364591" cy="328847"/>
-          </a:xfrm>
-          <a:prstGeom prst="can">
-            <a:avLst/>
-          </a:prstGeom>
-          <a:solidFill>
-            <a:srgbClr val="FF7E79"/>
-          </a:solidFill>
-          <a:ln>
-            <a:solidFill>
-              <a:schemeClr val="bg1">
-                <a:lumMod val="50000"/>
-              </a:schemeClr>
-            </a:solidFill>
-          </a:ln>
-        </p:spPr>
-        <p:style>
-          <a:lnRef idx="2">
-            <a:schemeClr val="accent1">
-              <a:shade val="50000"/>
-            </a:schemeClr>
-          </a:lnRef>
-          <a:fillRef idx="1">
-            <a:schemeClr val="accent1"/>
-          </a:fillRef>
-          <a:effectRef idx="0">
-            <a:schemeClr val="accent1"/>
-          </a:effectRef>
-          <a:fontRef idx="minor">
-            <a:schemeClr val="lt1"/>
-          </a:fontRef>
-        </p:style>
-        <p:txBody>
-          <a:bodyPr rtlCol="0" anchor="ctr"/>
-          <a:lstStyle/>
-          <a:p>
-            <a:pPr algn="ctr"/>
-            <a:endParaRPr lang="en-US" sz="1000"/>
-          </a:p>
-        </p:txBody>
-      </p:sp>
-      <p:sp>
-        <p:nvSpPr>
-          <p:cNvPr id="69" name="Rounded Rectangle 68">
-            <a:extLst>
-              <a:ext uri="{FF2B5EF4-FFF2-40B4-BE49-F238E27FC236}">
-                <a16:creationId xmlns:a16="http://schemas.microsoft.com/office/drawing/2014/main" id="{29287027-40F0-964D-AC81-A15D98E1CFEC}"/>
-              </a:ext>
-            </a:extLst>
-          </p:cNvPr>
-          <p:cNvSpPr/>
-          <p:nvPr/>
-        </p:nvSpPr>
-        <p:spPr>
-          <a:xfrm>
-            <a:off x="8195568" y="4525862"/>
-            <a:ext cx="995181" cy="690252"/>
-          </a:xfrm>
-          <a:prstGeom prst="roundRect">
-            <a:avLst/>
-          </a:prstGeom>
-          <a:noFill/>
-          <a:ln>
-            <a:solidFill>
-              <a:schemeClr val="bg1">
-                <a:lumMod val="75000"/>
-              </a:schemeClr>
-            </a:solidFill>
-            <a:prstDash val="dash"/>
-          </a:ln>
-        </p:spPr>
-        <p:style>
-          <a:lnRef idx="2">
-            <a:schemeClr val="accent1">
-              <a:shade val="50000"/>
-            </a:schemeClr>
-          </a:lnRef>
-          <a:fillRef idx="1">
-            <a:schemeClr val="accent1"/>
-          </a:fillRef>
-          <a:effectRef idx="0">
-            <a:schemeClr val="accent1"/>
-          </a:effectRef>
-          <a:fontRef idx="minor">
-            <a:schemeClr val="lt1"/>
-          </a:fontRef>
-        </p:style>
-        <p:txBody>
-          <a:bodyPr rtlCol="0" anchor="ctr"/>
-          <a:lstStyle/>
-          <a:p>
-            <a:pPr algn="ctr"/>
-            <a:endParaRPr lang="en-US" sz="1000" baseline="-25000" dirty="0">
-              <a:solidFill>
-                <a:schemeClr val="tx1"/>
-              </a:solidFill>
-            </a:endParaRPr>
-          </a:p>
-        </p:txBody>
-      </p:sp>
-      <p:cxnSp>
-        <p:nvCxnSpPr>
-          <p:cNvPr id="43" name="Straight Connector 42">
-            <a:extLst>
-              <a:ext uri="{FF2B5EF4-FFF2-40B4-BE49-F238E27FC236}">
-                <a16:creationId xmlns:a16="http://schemas.microsoft.com/office/drawing/2014/main" id="{260C460C-929C-4A4B-949F-67673B318413}"/>
-              </a:ext>
-            </a:extLst>
-          </p:cNvPr>
-          <p:cNvCxnSpPr>
-            <a:cxnSpLocks/>
-          </p:cNvCxnSpPr>
-          <p:nvPr/>
-        </p:nvCxnSpPr>
-        <p:spPr>
-          <a:xfrm>
-            <a:off x="4411660" y="918322"/>
-            <a:ext cx="0" cy="5465113"/>
-          </a:xfrm>
-          <a:prstGeom prst="line">
-            <a:avLst/>
-          </a:prstGeom>
-          <a:ln w="12700">
-            <a:solidFill>
-              <a:schemeClr val="bg2">
-                <a:lumMod val="25000"/>
-              </a:schemeClr>
-            </a:solidFill>
-            <a:prstDash val="sysDash"/>
-          </a:ln>
-        </p:spPr>
-        <p:style>
-          <a:lnRef idx="1">
-            <a:schemeClr val="accent1"/>
-          </a:lnRef>
-          <a:fillRef idx="0">
-            <a:schemeClr val="accent1"/>
-          </a:fillRef>
-          <a:effectRef idx="0">
-            <a:schemeClr val="accent1"/>
-          </a:effectRef>
-          <a:fontRef idx="minor">
-            <a:schemeClr val="tx1"/>
-          </a:fontRef>
-        </p:style>
-      </p:cxnSp>
-      <p:cxnSp>
-        <p:nvCxnSpPr>
-          <p:cNvPr id="44" name="Straight Connector 43">
-            <a:extLst>
-              <a:ext uri="{FF2B5EF4-FFF2-40B4-BE49-F238E27FC236}">
-                <a16:creationId xmlns:a16="http://schemas.microsoft.com/office/drawing/2014/main" id="{1AEB1D8E-E5D6-1843-BEE2-59D1BFCC1630}"/>
-              </a:ext>
-            </a:extLst>
-          </p:cNvPr>
-          <p:cNvCxnSpPr>
-            <a:cxnSpLocks/>
-          </p:cNvCxnSpPr>
-          <p:nvPr/>
-        </p:nvCxnSpPr>
-        <p:spPr>
-          <a:xfrm>
-            <a:off x="7561947" y="918322"/>
-            <a:ext cx="0" cy="5465113"/>
-          </a:xfrm>
-          <a:prstGeom prst="line">
-            <a:avLst/>
-          </a:prstGeom>
-          <a:ln w="12700">
-            <a:solidFill>
-              <a:schemeClr val="bg2">
-                <a:lumMod val="25000"/>
-              </a:schemeClr>
-            </a:solidFill>
-            <a:prstDash val="sysDash"/>
-          </a:ln>
-        </p:spPr>
-        <p:style>
-          <a:lnRef idx="1">
-            <a:schemeClr val="accent1"/>
-          </a:lnRef>
-          <a:fillRef idx="0">
-            <a:schemeClr val="accent1"/>
-          </a:fillRef>
-          <a:effectRef idx="0">
-            <a:schemeClr val="accent1"/>
-          </a:effectRef>
-          <a:fontRef idx="minor">
-            <a:schemeClr val="tx1"/>
-          </a:fontRef>
-        </p:style>
-      </p:cxnSp>
-      <p:sp>
-        <p:nvSpPr>
-          <p:cNvPr id="45" name="TextBox 44">
-            <a:extLst>
-              <a:ext uri="{FF2B5EF4-FFF2-40B4-BE49-F238E27FC236}">
-                <a16:creationId xmlns:a16="http://schemas.microsoft.com/office/drawing/2014/main" id="{2B49DB7B-2C24-9B4C-9D58-0DE40EA044A6}"/>
-              </a:ext>
-            </a:extLst>
-          </p:cNvPr>
-          <p:cNvSpPr txBox="1"/>
-          <p:nvPr/>
-        </p:nvSpPr>
-        <p:spPr>
-          <a:xfrm>
-            <a:off x="2882113" y="902025"/>
-            <a:ext cx="1199466" cy="369332"/>
-          </a:xfrm>
-          <a:prstGeom prst="rect">
-            <a:avLst/>
-          </a:prstGeom>
-          <a:noFill/>
-        </p:spPr>
-        <p:txBody>
-          <a:bodyPr wrap="square" rtlCol="0">
-            <a:spAutoFit/>
-          </a:bodyPr>
-          <a:lstStyle/>
-          <a:p>
-            <a:r>
-              <a:rPr lang="en-US" dirty="0"/>
-              <a:t>Region 1</a:t>
-            </a:r>
-          </a:p>
-        </p:txBody>
-      </p:sp>
-      <p:sp>
-        <p:nvSpPr>
-          <p:cNvPr id="48" name="TextBox 47">
-            <a:extLst>
-              <a:ext uri="{FF2B5EF4-FFF2-40B4-BE49-F238E27FC236}">
-                <a16:creationId xmlns:a16="http://schemas.microsoft.com/office/drawing/2014/main" id="{D739A350-D964-2240-AB54-23D19BA7BEAA}"/>
-              </a:ext>
-            </a:extLst>
-          </p:cNvPr>
-          <p:cNvSpPr txBox="1"/>
-          <p:nvPr/>
-        </p:nvSpPr>
-        <p:spPr>
-          <a:xfrm>
-            <a:off x="5643553" y="892058"/>
-            <a:ext cx="1152293" cy="369332"/>
-          </a:xfrm>
-          <a:prstGeom prst="rect">
-            <a:avLst/>
-          </a:prstGeom>
-          <a:noFill/>
-        </p:spPr>
-        <p:txBody>
-          <a:bodyPr wrap="square" rtlCol="0">
-            <a:spAutoFit/>
-          </a:bodyPr>
-          <a:lstStyle/>
-          <a:p>
-            <a:r>
-              <a:rPr lang="en-US" dirty="0"/>
-              <a:t>Region 2</a:t>
-            </a:r>
-          </a:p>
-        </p:txBody>
-      </p:sp>
-      <p:sp>
-        <p:nvSpPr>
-          <p:cNvPr id="49" name="TextBox 48">
-            <a:extLst>
-              <a:ext uri="{FF2B5EF4-FFF2-40B4-BE49-F238E27FC236}">
-                <a16:creationId xmlns:a16="http://schemas.microsoft.com/office/drawing/2014/main" id="{0387F320-4211-A242-8252-47584B2F41C6}"/>
-              </a:ext>
-            </a:extLst>
-          </p:cNvPr>
-          <p:cNvSpPr txBox="1"/>
-          <p:nvPr/>
-        </p:nvSpPr>
-        <p:spPr>
-          <a:xfrm>
-            <a:off x="8359080" y="902025"/>
-            <a:ext cx="1152293" cy="369332"/>
-          </a:xfrm>
-          <a:prstGeom prst="rect">
-            <a:avLst/>
-          </a:prstGeom>
-          <a:noFill/>
-        </p:spPr>
-        <p:txBody>
-          <a:bodyPr wrap="square" rtlCol="0">
-            <a:spAutoFit/>
-          </a:bodyPr>
-          <a:lstStyle/>
-          <a:p>
-            <a:r>
-              <a:rPr lang="en-US" dirty="0"/>
-              <a:t>Region 3</a:t>
-            </a:r>
-          </a:p>
-        </p:txBody>
-      </p:sp>
-      <p:sp>
-        <p:nvSpPr>
-          <p:cNvPr id="4" name="Terminator 3">
-            <a:extLst>
-              <a:ext uri="{FF2B5EF4-FFF2-40B4-BE49-F238E27FC236}">
-                <a16:creationId xmlns:a16="http://schemas.microsoft.com/office/drawing/2014/main" id="{10A950CE-6E8A-2E46-882A-C070890C4CCD}"/>
-              </a:ext>
-            </a:extLst>
-          </p:cNvPr>
-          <p:cNvSpPr/>
-          <p:nvPr/>
-        </p:nvSpPr>
-        <p:spPr>
-          <a:xfrm>
-            <a:off x="3016923" y="4066833"/>
-            <a:ext cx="1163223" cy="1387251"/>
-          </a:xfrm>
-          <a:prstGeom prst="flowChartTerminator">
-            <a:avLst/>
-          </a:prstGeom>
-          <a:solidFill>
-            <a:schemeClr val="accent2">
-              <a:lumMod val="60000"/>
-              <a:lumOff val="40000"/>
-            </a:schemeClr>
-          </a:solidFill>
-          <a:ln>
-            <a:solidFill>
-              <a:schemeClr val="bg2">
-                <a:lumMod val="75000"/>
-              </a:schemeClr>
-            </a:solidFill>
-          </a:ln>
-        </p:spPr>
-        <p:style>
-          <a:lnRef idx="2">
-            <a:schemeClr val="accent1">
-              <a:shade val="50000"/>
-            </a:schemeClr>
-          </a:lnRef>
-          <a:fillRef idx="1">
-            <a:schemeClr val="accent1"/>
-          </a:fillRef>
-          <a:effectRef idx="0">
-            <a:schemeClr val="accent1"/>
-          </a:effectRef>
-          <a:fontRef idx="minor">
-            <a:schemeClr val="lt1"/>
-          </a:fontRef>
-        </p:style>
-        <p:txBody>
-          <a:bodyPr rtlCol="0" anchor="ctr"/>
-          <a:lstStyle/>
-          <a:p>
-            <a:pPr algn="ctr"/>
-            <a:r>
-              <a:rPr lang="en-US" sz="1000" dirty="0">
-                <a:solidFill>
-                  <a:schemeClr val="tx1"/>
-                </a:solidFill>
-              </a:rPr>
-              <a:t>Games Lobby</a:t>
-            </a:r>
-          </a:p>
-          <a:p>
-            <a:pPr algn="ctr"/>
-            <a:endParaRPr lang="en-US" sz="1000" dirty="0">
-              <a:solidFill>
-                <a:schemeClr val="tx1"/>
-              </a:solidFill>
-            </a:endParaRPr>
-          </a:p>
-          <a:p>
-            <a:r>
-              <a:rPr lang="en-US" sz="1000" dirty="0">
-                <a:solidFill>
-                  <a:schemeClr val="tx1"/>
-                </a:solidFill>
-              </a:rPr>
-              <a:t>{</a:t>
-            </a:r>
-          </a:p>
-          <a:p>
-            <a:r>
-              <a:rPr lang="en-US" sz="1000" dirty="0">
-                <a:solidFill>
-                  <a:schemeClr val="tx1"/>
-                </a:solidFill>
-              </a:rPr>
-              <a:t>  player 1, </a:t>
-            </a:r>
-          </a:p>
-          <a:p>
-            <a:r>
-              <a:rPr lang="en-US" sz="1000" dirty="0">
-                <a:solidFill>
-                  <a:schemeClr val="tx1"/>
-                </a:solidFill>
-              </a:rPr>
-              <a:t>  player 2,</a:t>
-            </a:r>
-          </a:p>
-          <a:p>
-            <a:r>
-              <a:rPr lang="en-US" sz="1000" dirty="0">
-                <a:solidFill>
-                  <a:schemeClr val="tx1"/>
-                </a:solidFill>
-              </a:rPr>
-              <a:t>  player 3,</a:t>
-            </a:r>
-          </a:p>
-          <a:p>
-            <a:r>
-              <a:rPr lang="en-US" sz="1000" dirty="0">
-                <a:solidFill>
-                  <a:schemeClr val="tx1"/>
-                </a:solidFill>
-              </a:rPr>
-              <a:t>  player 4,</a:t>
-            </a:r>
-          </a:p>
-          <a:p>
-            <a:r>
-              <a:rPr lang="en-US" sz="1000" dirty="0">
-                <a:solidFill>
-                  <a:schemeClr val="tx1"/>
-                </a:solidFill>
-              </a:rPr>
-              <a:t>}</a:t>
-            </a:r>
-          </a:p>
-        </p:txBody>
-      </p:sp>
-      <p:sp>
-        <p:nvSpPr>
-          <p:cNvPr id="47" name="Parallelogram 46">
-            <a:extLst>
-              <a:ext uri="{FF2B5EF4-FFF2-40B4-BE49-F238E27FC236}">
-                <a16:creationId xmlns:a16="http://schemas.microsoft.com/office/drawing/2014/main" id="{2956BD53-174A-1E4C-909B-CE858FC8682C}"/>
-              </a:ext>
-            </a:extLst>
-          </p:cNvPr>
-          <p:cNvSpPr/>
-          <p:nvPr/>
-        </p:nvSpPr>
-        <p:spPr>
-          <a:xfrm>
-            <a:off x="8497988" y="6539883"/>
-            <a:ext cx="1603384" cy="304800"/>
-          </a:xfrm>
-          <a:prstGeom prst="parallelogram">
-            <a:avLst/>
-          </a:prstGeom>
-          <a:solidFill>
-            <a:schemeClr val="bg1">
-              <a:lumMod val="50000"/>
-            </a:schemeClr>
-          </a:solidFill>
-          <a:ln>
-            <a:solidFill>
-              <a:schemeClr val="bg1">
-                <a:lumMod val="50000"/>
-              </a:schemeClr>
-            </a:solidFill>
-          </a:ln>
-        </p:spPr>
-        <p:style>
-          <a:lnRef idx="2">
-            <a:schemeClr val="accent1">
-              <a:shade val="50000"/>
-            </a:schemeClr>
-          </a:lnRef>
-          <a:fillRef idx="1">
-            <a:schemeClr val="accent1"/>
-          </a:fillRef>
-          <a:effectRef idx="0">
-            <a:schemeClr val="accent1"/>
-          </a:effectRef>
-          <a:fontRef idx="minor">
-            <a:schemeClr val="lt1"/>
-          </a:fontRef>
-        </p:style>
-        <p:txBody>
-          <a:bodyPr rtlCol="0" anchor="ctr"/>
-          <a:lstStyle/>
-          <a:p>
-            <a:pPr algn="ctr"/>
-            <a:r>
-              <a:rPr lang="en-US" sz="1400" dirty="0"/>
-              <a:t>Requirements</a:t>
-            </a:r>
-          </a:p>
-        </p:txBody>
-      </p:sp>
-      <p:sp>
-        <p:nvSpPr>
-          <p:cNvPr id="51" name="Parallelogram 50">
-            <a:extLst>
-              <a:ext uri="{FF2B5EF4-FFF2-40B4-BE49-F238E27FC236}">
-                <a16:creationId xmlns:a16="http://schemas.microsoft.com/office/drawing/2014/main" id="{57F0E0F6-A76C-8140-ACB3-F006BE9FB67C}"/>
-              </a:ext>
-            </a:extLst>
-          </p:cNvPr>
-          <p:cNvSpPr/>
-          <p:nvPr/>
-        </p:nvSpPr>
-        <p:spPr>
-          <a:xfrm>
-            <a:off x="10023574" y="6539883"/>
-            <a:ext cx="1836695" cy="304800"/>
-          </a:xfrm>
-          <a:prstGeom prst="parallelogram">
-            <a:avLst/>
-          </a:prstGeom>
-          <a:solidFill>
-            <a:schemeClr val="bg1">
-              <a:lumMod val="50000"/>
-            </a:schemeClr>
-          </a:solidFill>
-          <a:ln>
-            <a:solidFill>
-              <a:schemeClr val="bg1">
-                <a:lumMod val="50000"/>
-              </a:schemeClr>
-            </a:solidFill>
-          </a:ln>
-        </p:spPr>
-        <p:style>
-          <a:lnRef idx="2">
-            <a:schemeClr val="accent1">
-              <a:shade val="50000"/>
-            </a:schemeClr>
-          </a:lnRef>
-          <a:fillRef idx="1">
-            <a:schemeClr val="accent1"/>
-          </a:fillRef>
-          <a:effectRef idx="0">
-            <a:schemeClr val="accent1"/>
-          </a:effectRef>
-          <a:fontRef idx="minor">
-            <a:schemeClr val="lt1"/>
-          </a:fontRef>
-        </p:style>
-        <p:txBody>
-          <a:bodyPr rtlCol="0" anchor="ctr"/>
-          <a:lstStyle/>
-          <a:p>
-            <a:pPr algn="ctr"/>
-            <a:r>
-              <a:rPr lang="en-US" sz="1400" dirty="0"/>
-              <a:t>Design Thoughts</a:t>
-            </a:r>
-          </a:p>
-        </p:txBody>
-      </p:sp>
-      <p:sp>
-        <p:nvSpPr>
-          <p:cNvPr id="56" name="Parallelogram 55">
-            <a:extLst>
-              <a:ext uri="{FF2B5EF4-FFF2-40B4-BE49-F238E27FC236}">
-                <a16:creationId xmlns:a16="http://schemas.microsoft.com/office/drawing/2014/main" id="{A23F92BD-AF54-474B-9625-9D65255F835D}"/>
-              </a:ext>
-            </a:extLst>
-          </p:cNvPr>
-          <p:cNvSpPr/>
-          <p:nvPr/>
-        </p:nvSpPr>
-        <p:spPr>
-          <a:xfrm>
-            <a:off x="6907270" y="6539883"/>
-            <a:ext cx="1698226" cy="304800"/>
-          </a:xfrm>
-          <a:prstGeom prst="parallelogram">
-            <a:avLst/>
-          </a:prstGeom>
-          <a:solidFill>
-            <a:schemeClr val="accent4">
-              <a:lumMod val="60000"/>
-              <a:lumOff val="40000"/>
-            </a:schemeClr>
-          </a:solidFill>
-          <a:ln>
-            <a:solidFill>
-              <a:schemeClr val="bg1">
-                <a:lumMod val="50000"/>
-              </a:schemeClr>
-            </a:solidFill>
-          </a:ln>
-        </p:spPr>
-        <p:style>
-          <a:lnRef idx="2">
-            <a:schemeClr val="accent1">
-              <a:shade val="50000"/>
-            </a:schemeClr>
-          </a:lnRef>
-          <a:fillRef idx="1">
-            <a:schemeClr val="accent1"/>
-          </a:fillRef>
-          <a:effectRef idx="0">
-            <a:schemeClr val="accent1"/>
-          </a:effectRef>
-          <a:fontRef idx="minor">
-            <a:schemeClr val="lt1"/>
-          </a:fontRef>
-        </p:style>
-        <p:txBody>
-          <a:bodyPr rtlCol="0" anchor="ctr"/>
-          <a:lstStyle/>
-          <a:p>
-            <a:pPr algn="ctr"/>
-            <a:r>
-              <a:rPr lang="en-US" sz="1400" dirty="0">
-                <a:solidFill>
-                  <a:schemeClr val="tx1"/>
-                </a:solidFill>
-              </a:rPr>
-              <a:t>Use Cases</a:t>
-            </a:r>
-          </a:p>
-        </p:txBody>
-      </p:sp>
-      <p:sp>
-        <p:nvSpPr>
-          <p:cNvPr id="66" name="Terminator 65">
-            <a:extLst>
-              <a:ext uri="{FF2B5EF4-FFF2-40B4-BE49-F238E27FC236}">
-                <a16:creationId xmlns:a16="http://schemas.microsoft.com/office/drawing/2014/main" id="{07B59445-A295-924E-9E24-0AA7F0CACF21}"/>
-              </a:ext>
-            </a:extLst>
-          </p:cNvPr>
-          <p:cNvSpPr/>
-          <p:nvPr/>
-        </p:nvSpPr>
-        <p:spPr>
-          <a:xfrm>
-            <a:off x="6015674" y="4077938"/>
-            <a:ext cx="1163223" cy="1387251"/>
-          </a:xfrm>
-          <a:prstGeom prst="flowChartTerminator">
-            <a:avLst/>
-          </a:prstGeom>
-          <a:solidFill>
-            <a:schemeClr val="accent2">
-              <a:lumMod val="60000"/>
-              <a:lumOff val="40000"/>
-            </a:schemeClr>
-          </a:solidFill>
-          <a:ln>
-            <a:solidFill>
-              <a:schemeClr val="bg2">
-                <a:lumMod val="75000"/>
-              </a:schemeClr>
-            </a:solidFill>
-          </a:ln>
-        </p:spPr>
-        <p:style>
-          <a:lnRef idx="2">
-            <a:schemeClr val="accent1">
-              <a:shade val="50000"/>
-            </a:schemeClr>
-          </a:lnRef>
-          <a:fillRef idx="1">
-            <a:schemeClr val="accent1"/>
-          </a:fillRef>
-          <a:effectRef idx="0">
-            <a:schemeClr val="accent1"/>
-          </a:effectRef>
-          <a:fontRef idx="minor">
-            <a:schemeClr val="lt1"/>
-          </a:fontRef>
-        </p:style>
-        <p:txBody>
-          <a:bodyPr rtlCol="0" anchor="ctr"/>
-          <a:lstStyle/>
-          <a:p>
-            <a:pPr algn="ctr"/>
-            <a:r>
-              <a:rPr lang="en-US" sz="1000" dirty="0">
-                <a:solidFill>
-                  <a:schemeClr val="tx1"/>
-                </a:solidFill>
-              </a:rPr>
-              <a:t>Games Lobby</a:t>
-            </a:r>
-          </a:p>
-          <a:p>
-            <a:pPr algn="ctr"/>
-            <a:endParaRPr lang="en-US" sz="1000" dirty="0">
-              <a:solidFill>
-                <a:schemeClr val="tx1"/>
-              </a:solidFill>
-            </a:endParaRPr>
-          </a:p>
-          <a:p>
-            <a:r>
-              <a:rPr lang="en-US" sz="1000" dirty="0">
-                <a:solidFill>
-                  <a:schemeClr val="tx1"/>
-                </a:solidFill>
-              </a:rPr>
-              <a:t>{</a:t>
-            </a:r>
-          </a:p>
-          <a:p>
-            <a:r>
-              <a:rPr lang="en-US" sz="1000" dirty="0">
-                <a:solidFill>
-                  <a:schemeClr val="tx1"/>
-                </a:solidFill>
-              </a:rPr>
-              <a:t>  player 1, </a:t>
-            </a:r>
-          </a:p>
-          <a:p>
-            <a:r>
-              <a:rPr lang="en-US" sz="1000" dirty="0">
-                <a:solidFill>
-                  <a:schemeClr val="tx1"/>
-                </a:solidFill>
-              </a:rPr>
-              <a:t>  player 2,</a:t>
-            </a:r>
-          </a:p>
-          <a:p>
-            <a:r>
-              <a:rPr lang="en-US" sz="1000" dirty="0">
-                <a:solidFill>
-                  <a:schemeClr val="tx1"/>
-                </a:solidFill>
-              </a:rPr>
-              <a:t>  player 3,</a:t>
-            </a:r>
-          </a:p>
-          <a:p>
-            <a:r>
-              <a:rPr lang="en-US" sz="1000" dirty="0">
-                <a:solidFill>
-                  <a:schemeClr val="tx1"/>
-                </a:solidFill>
-              </a:rPr>
-              <a:t>  player 4,</a:t>
-            </a:r>
-          </a:p>
-          <a:p>
-            <a:r>
-              <a:rPr lang="en-US" sz="1000" dirty="0">
-                <a:solidFill>
-                  <a:schemeClr val="tx1"/>
-                </a:solidFill>
-              </a:rPr>
-              <a:t>}</a:t>
-            </a:r>
-          </a:p>
-        </p:txBody>
-      </p:sp>
-      <p:sp>
-        <p:nvSpPr>
-          <p:cNvPr id="74" name="Terminator 73">
-            <a:extLst>
-              <a:ext uri="{FF2B5EF4-FFF2-40B4-BE49-F238E27FC236}">
-                <a16:creationId xmlns:a16="http://schemas.microsoft.com/office/drawing/2014/main" id="{66D29712-A486-1244-AEE7-1C982898E1A8}"/>
-              </a:ext>
-            </a:extLst>
-          </p:cNvPr>
-          <p:cNvSpPr/>
-          <p:nvPr/>
-        </p:nvSpPr>
-        <p:spPr>
-          <a:xfrm>
-            <a:off x="8879374" y="3990704"/>
-            <a:ext cx="1163223" cy="1387251"/>
-          </a:xfrm>
-          <a:prstGeom prst="flowChartTerminator">
-            <a:avLst/>
-          </a:prstGeom>
-          <a:solidFill>
-            <a:schemeClr val="accent2">
-              <a:lumMod val="60000"/>
-              <a:lumOff val="40000"/>
-            </a:schemeClr>
-          </a:solidFill>
-          <a:ln>
-            <a:solidFill>
-              <a:schemeClr val="bg2">
-                <a:lumMod val="75000"/>
-              </a:schemeClr>
-            </a:solidFill>
-          </a:ln>
-        </p:spPr>
-        <p:style>
-          <a:lnRef idx="2">
-            <a:schemeClr val="accent1">
-              <a:shade val="50000"/>
-            </a:schemeClr>
-          </a:lnRef>
-          <a:fillRef idx="1">
-            <a:schemeClr val="accent1"/>
-          </a:fillRef>
-          <a:effectRef idx="0">
-            <a:schemeClr val="accent1"/>
-          </a:effectRef>
-          <a:fontRef idx="minor">
-            <a:schemeClr val="lt1"/>
-          </a:fontRef>
-        </p:style>
-        <p:txBody>
-          <a:bodyPr rtlCol="0" anchor="ctr"/>
-          <a:lstStyle/>
-          <a:p>
-            <a:pPr algn="ctr"/>
-            <a:r>
-              <a:rPr lang="en-US" sz="1000" dirty="0">
-                <a:solidFill>
-                  <a:schemeClr val="tx1"/>
-                </a:solidFill>
-              </a:rPr>
-              <a:t>Games Lobby</a:t>
-            </a:r>
-          </a:p>
-          <a:p>
-            <a:pPr algn="ctr"/>
-            <a:endParaRPr lang="en-US" sz="1000" dirty="0">
-              <a:solidFill>
-                <a:schemeClr val="tx1"/>
-              </a:solidFill>
-            </a:endParaRPr>
-          </a:p>
-          <a:p>
-            <a:r>
-              <a:rPr lang="en-US" sz="1000" dirty="0">
-                <a:solidFill>
-                  <a:schemeClr val="tx1"/>
-                </a:solidFill>
-              </a:rPr>
-              <a:t>{</a:t>
-            </a:r>
-          </a:p>
-          <a:p>
-            <a:r>
-              <a:rPr lang="en-US" sz="1000" dirty="0">
-                <a:solidFill>
-                  <a:schemeClr val="tx1"/>
-                </a:solidFill>
-              </a:rPr>
-              <a:t>  player 1, </a:t>
-            </a:r>
-          </a:p>
-          <a:p>
-            <a:r>
-              <a:rPr lang="en-US" sz="1000" dirty="0">
-                <a:solidFill>
-                  <a:schemeClr val="tx1"/>
-                </a:solidFill>
-              </a:rPr>
-              <a:t>  player 2,</a:t>
-            </a:r>
-          </a:p>
-          <a:p>
-            <a:r>
-              <a:rPr lang="en-US" sz="1000" dirty="0">
-                <a:solidFill>
-                  <a:schemeClr val="tx1"/>
-                </a:solidFill>
-              </a:rPr>
-              <a:t>  player 3,</a:t>
-            </a:r>
-          </a:p>
-          <a:p>
-            <a:r>
-              <a:rPr lang="en-US" sz="1000" dirty="0">
-                <a:solidFill>
-                  <a:schemeClr val="tx1"/>
-                </a:solidFill>
-              </a:rPr>
-              <a:t>  player 4,</a:t>
-            </a:r>
-          </a:p>
-          <a:p>
-            <a:r>
-              <a:rPr lang="en-US" sz="1000" dirty="0">
-                <a:solidFill>
-                  <a:schemeClr val="tx1"/>
-                </a:solidFill>
-              </a:rPr>
-              <a:t>}</a:t>
-            </a:r>
-          </a:p>
-        </p:txBody>
-      </p:sp>
-      <p:sp>
-        <p:nvSpPr>
-          <p:cNvPr id="12" name="Rounded Rectangle 11">
-            <a:extLst>
-              <a:ext uri="{FF2B5EF4-FFF2-40B4-BE49-F238E27FC236}">
-                <a16:creationId xmlns:a16="http://schemas.microsoft.com/office/drawing/2014/main" id="{7797D70C-4CB4-064E-8B57-D32F0937A18C}"/>
-              </a:ext>
-            </a:extLst>
-          </p:cNvPr>
-          <p:cNvSpPr/>
-          <p:nvPr/>
-        </p:nvSpPr>
-        <p:spPr>
-          <a:xfrm>
-            <a:off x="2145812" y="2515813"/>
-            <a:ext cx="2104698" cy="587023"/>
-          </a:xfrm>
-          <a:prstGeom prst="roundRect">
-            <a:avLst/>
-          </a:prstGeom>
-          <a:solidFill>
-            <a:srgbClr val="7030A0"/>
-          </a:solidFill>
-          <a:effectLst>
-            <a:outerShdw blurRad="50800" dist="38100" dir="5400000" algn="t" rotWithShape="0">
-              <a:prstClr val="black">
-                <a:alpha val="40000"/>
-              </a:prstClr>
-            </a:outerShdw>
-          </a:effectLst>
-        </p:spPr>
-        <p:style>
-          <a:lnRef idx="3">
-            <a:schemeClr val="lt1"/>
-          </a:lnRef>
-          <a:fillRef idx="1">
-            <a:schemeClr val="dk1"/>
-          </a:fillRef>
-          <a:effectRef idx="1">
-            <a:schemeClr val="dk1"/>
-          </a:effectRef>
-          <a:fontRef idx="minor">
-            <a:schemeClr val="lt1"/>
-          </a:fontRef>
-        </p:style>
-        <p:txBody>
-          <a:bodyPr rtlCol="0" anchor="ctr"/>
-          <a:lstStyle/>
-          <a:p>
-            <a:pPr algn="ctr"/>
-            <a:r>
-              <a:rPr lang="en-US" sz="1400" dirty="0"/>
-              <a:t>Edge Serverless Platform</a:t>
-            </a:r>
-          </a:p>
-        </p:txBody>
-      </p:sp>
-      <p:sp>
-        <p:nvSpPr>
-          <p:cNvPr id="75" name="Rounded Rectangle 74">
-            <a:extLst>
-              <a:ext uri="{FF2B5EF4-FFF2-40B4-BE49-F238E27FC236}">
-                <a16:creationId xmlns:a16="http://schemas.microsoft.com/office/drawing/2014/main" id="{6AC39567-5477-3B42-9F94-6E60C63ED170}"/>
-              </a:ext>
-            </a:extLst>
-          </p:cNvPr>
-          <p:cNvSpPr/>
-          <p:nvPr/>
-        </p:nvSpPr>
-        <p:spPr>
-          <a:xfrm>
-            <a:off x="4848083" y="2509549"/>
-            <a:ext cx="2104698" cy="587023"/>
-          </a:xfrm>
-          <a:prstGeom prst="roundRect">
-            <a:avLst/>
-          </a:prstGeom>
-          <a:solidFill>
-            <a:srgbClr val="7030A0"/>
-          </a:solidFill>
-          <a:effectLst>
-            <a:outerShdw blurRad="50800" dist="38100" dir="5400000" algn="t" rotWithShape="0">
-              <a:prstClr val="black">
-                <a:alpha val="40000"/>
-              </a:prstClr>
-            </a:outerShdw>
-          </a:effectLst>
-        </p:spPr>
-        <p:style>
-          <a:lnRef idx="3">
-            <a:schemeClr val="lt1"/>
-          </a:lnRef>
-          <a:fillRef idx="1">
-            <a:schemeClr val="dk1"/>
-          </a:fillRef>
-          <a:effectRef idx="1">
-            <a:schemeClr val="dk1"/>
-          </a:effectRef>
-          <a:fontRef idx="minor">
-            <a:schemeClr val="lt1"/>
-          </a:fontRef>
-        </p:style>
-        <p:txBody>
-          <a:bodyPr rtlCol="0" anchor="ctr"/>
-          <a:lstStyle/>
-          <a:p>
-            <a:pPr algn="ctr"/>
-            <a:r>
-              <a:rPr lang="en-US" sz="1400" dirty="0"/>
-              <a:t>Edge Serverless Platform</a:t>
-            </a:r>
-          </a:p>
-        </p:txBody>
-      </p:sp>
-      <p:sp>
-        <p:nvSpPr>
-          <p:cNvPr id="77" name="Rounded Rectangle 76">
-            <a:extLst>
-              <a:ext uri="{FF2B5EF4-FFF2-40B4-BE49-F238E27FC236}">
-                <a16:creationId xmlns:a16="http://schemas.microsoft.com/office/drawing/2014/main" id="{D70D4F67-DE8D-3843-8AC1-24148BDEEA67}"/>
-              </a:ext>
-            </a:extLst>
-          </p:cNvPr>
-          <p:cNvSpPr/>
-          <p:nvPr/>
-        </p:nvSpPr>
-        <p:spPr>
-          <a:xfrm>
-            <a:off x="7933618" y="2508945"/>
-            <a:ext cx="2104698" cy="587023"/>
-          </a:xfrm>
-          <a:prstGeom prst="roundRect">
-            <a:avLst/>
-          </a:prstGeom>
-          <a:solidFill>
-            <a:srgbClr val="7030A0"/>
-          </a:solidFill>
-          <a:effectLst>
-            <a:outerShdw blurRad="50800" dist="38100" dir="5400000" algn="t" rotWithShape="0">
-              <a:prstClr val="black">
-                <a:alpha val="40000"/>
-              </a:prstClr>
-            </a:outerShdw>
-          </a:effectLst>
-        </p:spPr>
-        <p:style>
-          <a:lnRef idx="3">
-            <a:schemeClr val="lt1"/>
-          </a:lnRef>
-          <a:fillRef idx="1">
-            <a:schemeClr val="dk1"/>
-          </a:fillRef>
-          <a:effectRef idx="1">
-            <a:schemeClr val="dk1"/>
-          </a:effectRef>
-          <a:fontRef idx="minor">
-            <a:schemeClr val="lt1"/>
-          </a:fontRef>
-        </p:style>
-        <p:txBody>
-          <a:bodyPr rtlCol="0" anchor="ctr"/>
-          <a:lstStyle/>
-          <a:p>
-            <a:pPr algn="ctr"/>
-            <a:r>
-              <a:rPr lang="en-US" sz="1400" dirty="0"/>
-              <a:t>Edge Serverless Platform</a:t>
-            </a:r>
-          </a:p>
-        </p:txBody>
-      </p:sp>
-      <p:sp>
-        <p:nvSpPr>
-          <p:cNvPr id="42" name="Rounded Rectangle 41">
-            <a:extLst>
-              <a:ext uri="{FF2B5EF4-FFF2-40B4-BE49-F238E27FC236}">
-                <a16:creationId xmlns:a16="http://schemas.microsoft.com/office/drawing/2014/main" id="{6F22D07C-FACF-1846-B514-24006AE05C97}"/>
-              </a:ext>
-            </a:extLst>
-          </p:cNvPr>
-          <p:cNvSpPr/>
-          <p:nvPr/>
-        </p:nvSpPr>
-        <p:spPr>
-          <a:xfrm>
-            <a:off x="2537727" y="2051653"/>
-            <a:ext cx="1196301" cy="522839"/>
-          </a:xfrm>
-          <a:prstGeom prst="roundRect">
-            <a:avLst/>
-          </a:prstGeom>
-          <a:solidFill>
-            <a:schemeClr val="accent4">
-              <a:lumMod val="40000"/>
-              <a:lumOff val="60000"/>
-            </a:schemeClr>
-          </a:solidFill>
-          <a:ln w="19050">
-            <a:solidFill>
-              <a:schemeClr val="bg1">
-                <a:lumMod val="65000"/>
-              </a:schemeClr>
-            </a:solidFill>
-          </a:ln>
-        </p:spPr>
-        <p:style>
-          <a:lnRef idx="2">
-            <a:schemeClr val="accent1">
-              <a:shade val="50000"/>
-            </a:schemeClr>
-          </a:lnRef>
-          <a:fillRef idx="1">
-            <a:schemeClr val="accent1"/>
-          </a:fillRef>
-          <a:effectRef idx="0">
-            <a:schemeClr val="accent1"/>
-          </a:effectRef>
-          <a:fontRef idx="minor">
-            <a:schemeClr val="lt1"/>
-          </a:fontRef>
-        </p:style>
-        <p:txBody>
-          <a:bodyPr rtlCol="0" anchor="ctr"/>
-          <a:lstStyle/>
-          <a:p>
-            <a:pPr algn="ctr"/>
-            <a:r>
-              <a:rPr lang="en-US" sz="1200" dirty="0">
-                <a:solidFill>
-                  <a:schemeClr val="tx1">
-                    <a:lumMod val="75000"/>
-                    <a:lumOff val="25000"/>
-                  </a:schemeClr>
-                </a:solidFill>
-              </a:rPr>
-              <a:t>Game Instance</a:t>
-            </a:r>
-          </a:p>
-        </p:txBody>
-      </p:sp>
-      <p:sp>
-        <p:nvSpPr>
-          <p:cNvPr id="29" name="Rounded Rectangle 28">
-            <a:extLst>
-              <a:ext uri="{FF2B5EF4-FFF2-40B4-BE49-F238E27FC236}">
-                <a16:creationId xmlns:a16="http://schemas.microsoft.com/office/drawing/2014/main" id="{73313ACD-9821-3344-82D2-FFAA01DFFBB1}"/>
-              </a:ext>
-            </a:extLst>
-          </p:cNvPr>
-          <p:cNvSpPr/>
-          <p:nvPr/>
-        </p:nvSpPr>
-        <p:spPr>
-          <a:xfrm>
-            <a:off x="2683508" y="1920454"/>
-            <a:ext cx="1196301" cy="522839"/>
-          </a:xfrm>
-          <a:prstGeom prst="roundRect">
-            <a:avLst/>
-          </a:prstGeom>
-          <a:solidFill>
-            <a:schemeClr val="accent4">
-              <a:lumMod val="40000"/>
-              <a:lumOff val="60000"/>
-            </a:schemeClr>
-          </a:solidFill>
-          <a:ln w="19050">
-            <a:solidFill>
-              <a:schemeClr val="bg1">
-                <a:lumMod val="65000"/>
-              </a:schemeClr>
-            </a:solidFill>
-          </a:ln>
-        </p:spPr>
-        <p:style>
-          <a:lnRef idx="2">
-            <a:schemeClr val="accent1">
-              <a:shade val="50000"/>
-            </a:schemeClr>
-          </a:lnRef>
-          <a:fillRef idx="1">
-            <a:schemeClr val="accent1"/>
-          </a:fillRef>
-          <a:effectRef idx="0">
-            <a:schemeClr val="accent1"/>
-          </a:effectRef>
-          <a:fontRef idx="minor">
-            <a:schemeClr val="lt1"/>
-          </a:fontRef>
-        </p:style>
-        <p:txBody>
-          <a:bodyPr rtlCol="0" anchor="ctr"/>
-          <a:lstStyle/>
-          <a:p>
-            <a:pPr algn="ctr"/>
-            <a:r>
-              <a:rPr lang="en-US" sz="1200" dirty="0">
-                <a:solidFill>
-                  <a:schemeClr val="tx1">
-                    <a:lumMod val="75000"/>
-                    <a:lumOff val="25000"/>
-                  </a:schemeClr>
-                </a:solidFill>
-              </a:rPr>
-              <a:t>Game Instance</a:t>
-            </a:r>
-          </a:p>
-        </p:txBody>
-      </p:sp>
-      <p:sp>
-        <p:nvSpPr>
-          <p:cNvPr id="30" name="Rounded Rectangle 29">
-            <a:extLst>
-              <a:ext uri="{FF2B5EF4-FFF2-40B4-BE49-F238E27FC236}">
-                <a16:creationId xmlns:a16="http://schemas.microsoft.com/office/drawing/2014/main" id="{7F5E11D2-CC29-CF4A-8BC1-DA7560D52275}"/>
-              </a:ext>
-            </a:extLst>
-          </p:cNvPr>
-          <p:cNvSpPr/>
-          <p:nvPr/>
-        </p:nvSpPr>
-        <p:spPr>
-          <a:xfrm>
-            <a:off x="2807178" y="1757053"/>
-            <a:ext cx="1196301" cy="522839"/>
-          </a:xfrm>
-          <a:prstGeom prst="roundRect">
-            <a:avLst/>
-          </a:prstGeom>
-          <a:solidFill>
-            <a:schemeClr val="accent4">
-              <a:lumMod val="40000"/>
-              <a:lumOff val="60000"/>
-            </a:schemeClr>
-          </a:solidFill>
-          <a:ln w="19050">
-            <a:solidFill>
-              <a:schemeClr val="bg1">
-                <a:lumMod val="65000"/>
-              </a:schemeClr>
-            </a:solidFill>
-          </a:ln>
-        </p:spPr>
-        <p:style>
-          <a:lnRef idx="2">
-            <a:schemeClr val="accent1">
-              <a:shade val="50000"/>
-            </a:schemeClr>
-          </a:lnRef>
-          <a:fillRef idx="1">
-            <a:schemeClr val="accent1"/>
-          </a:fillRef>
-          <a:effectRef idx="0">
-            <a:schemeClr val="accent1"/>
-          </a:effectRef>
-          <a:fontRef idx="minor">
-            <a:schemeClr val="lt1"/>
-          </a:fontRef>
-        </p:style>
-        <p:txBody>
-          <a:bodyPr rtlCol="0" anchor="ctr"/>
-          <a:lstStyle/>
-          <a:p>
-            <a:pPr algn="ctr"/>
-            <a:r>
-              <a:rPr lang="en-US" sz="1200" dirty="0">
-                <a:solidFill>
-                  <a:schemeClr val="tx1">
-                    <a:lumMod val="75000"/>
-                    <a:lumOff val="25000"/>
-                  </a:schemeClr>
-                </a:solidFill>
-              </a:rPr>
-              <a:t>Game Instance</a:t>
-            </a:r>
-          </a:p>
-        </p:txBody>
-      </p:sp>
-      <p:sp>
-        <p:nvSpPr>
-          <p:cNvPr id="31" name="Rounded Rectangle 30">
-            <a:extLst>
-              <a:ext uri="{FF2B5EF4-FFF2-40B4-BE49-F238E27FC236}">
-                <a16:creationId xmlns:a16="http://schemas.microsoft.com/office/drawing/2014/main" id="{221FE36C-AAC1-1246-B163-3FE6CD0754D5}"/>
-              </a:ext>
-            </a:extLst>
-          </p:cNvPr>
-          <p:cNvSpPr/>
-          <p:nvPr/>
-        </p:nvSpPr>
-        <p:spPr>
-          <a:xfrm>
-            <a:off x="5017953" y="2051653"/>
-            <a:ext cx="1196301" cy="522839"/>
-          </a:xfrm>
-          <a:prstGeom prst="roundRect">
-            <a:avLst/>
-          </a:prstGeom>
-          <a:solidFill>
-            <a:schemeClr val="accent4">
-              <a:lumMod val="40000"/>
-              <a:lumOff val="60000"/>
-            </a:schemeClr>
-          </a:solidFill>
-          <a:ln w="19050">
-            <a:solidFill>
-              <a:schemeClr val="bg1">
-                <a:lumMod val="65000"/>
-              </a:schemeClr>
-            </a:solidFill>
-          </a:ln>
-        </p:spPr>
-        <p:style>
-          <a:lnRef idx="2">
-            <a:schemeClr val="accent1">
-              <a:shade val="50000"/>
-            </a:schemeClr>
-          </a:lnRef>
-          <a:fillRef idx="1">
-            <a:schemeClr val="accent1"/>
-          </a:fillRef>
-          <a:effectRef idx="0">
-            <a:schemeClr val="accent1"/>
-          </a:effectRef>
-          <a:fontRef idx="minor">
-            <a:schemeClr val="lt1"/>
-          </a:fontRef>
-        </p:style>
-        <p:txBody>
-          <a:bodyPr rtlCol="0" anchor="ctr"/>
-          <a:lstStyle/>
-          <a:p>
-            <a:pPr algn="ctr"/>
-            <a:r>
-              <a:rPr lang="en-US" sz="1200" dirty="0">
-                <a:solidFill>
-                  <a:schemeClr val="tx1">
-                    <a:lumMod val="75000"/>
-                    <a:lumOff val="25000"/>
-                  </a:schemeClr>
-                </a:solidFill>
-              </a:rPr>
-              <a:t>Game Instance</a:t>
-            </a:r>
-          </a:p>
-        </p:txBody>
-      </p:sp>
-      <p:sp>
-        <p:nvSpPr>
-          <p:cNvPr id="32" name="Rounded Rectangle 31">
-            <a:extLst>
-              <a:ext uri="{FF2B5EF4-FFF2-40B4-BE49-F238E27FC236}">
-                <a16:creationId xmlns:a16="http://schemas.microsoft.com/office/drawing/2014/main" id="{87F20F9D-1A73-9545-87CD-BE3192AB92E7}"/>
-              </a:ext>
-            </a:extLst>
-          </p:cNvPr>
-          <p:cNvSpPr/>
-          <p:nvPr/>
-        </p:nvSpPr>
-        <p:spPr>
-          <a:xfrm>
-            <a:off x="5163734" y="1920454"/>
-            <a:ext cx="1196301" cy="522839"/>
-          </a:xfrm>
-          <a:prstGeom prst="roundRect">
-            <a:avLst/>
-          </a:prstGeom>
-          <a:solidFill>
-            <a:schemeClr val="accent4">
-              <a:lumMod val="40000"/>
-              <a:lumOff val="60000"/>
-            </a:schemeClr>
-          </a:solidFill>
-          <a:ln w="19050">
-            <a:solidFill>
-              <a:schemeClr val="bg1">
-                <a:lumMod val="65000"/>
-              </a:schemeClr>
-            </a:solidFill>
-          </a:ln>
-        </p:spPr>
-        <p:style>
-          <a:lnRef idx="2">
-            <a:schemeClr val="accent1">
-              <a:shade val="50000"/>
-            </a:schemeClr>
-          </a:lnRef>
-          <a:fillRef idx="1">
-            <a:schemeClr val="accent1"/>
-          </a:fillRef>
-          <a:effectRef idx="0">
-            <a:schemeClr val="accent1"/>
-          </a:effectRef>
-          <a:fontRef idx="minor">
-            <a:schemeClr val="lt1"/>
-          </a:fontRef>
-        </p:style>
-        <p:txBody>
-          <a:bodyPr rtlCol="0" anchor="ctr"/>
-          <a:lstStyle/>
-          <a:p>
-            <a:pPr algn="ctr"/>
-            <a:r>
-              <a:rPr lang="en-US" sz="1200" dirty="0">
-                <a:solidFill>
-                  <a:schemeClr val="tx1">
-                    <a:lumMod val="75000"/>
-                    <a:lumOff val="25000"/>
-                  </a:schemeClr>
-                </a:solidFill>
-              </a:rPr>
-              <a:t>Game Instance</a:t>
-            </a:r>
-          </a:p>
-        </p:txBody>
-      </p:sp>
-      <p:sp>
-        <p:nvSpPr>
-          <p:cNvPr id="33" name="Rounded Rectangle 32">
-            <a:extLst>
-              <a:ext uri="{FF2B5EF4-FFF2-40B4-BE49-F238E27FC236}">
-                <a16:creationId xmlns:a16="http://schemas.microsoft.com/office/drawing/2014/main" id="{4E24A00D-E1A6-1C44-9F75-3C6684559496}"/>
-              </a:ext>
-            </a:extLst>
-          </p:cNvPr>
-          <p:cNvSpPr/>
-          <p:nvPr/>
-        </p:nvSpPr>
-        <p:spPr>
-          <a:xfrm>
-            <a:off x="5287404" y="1757053"/>
-            <a:ext cx="1196301" cy="522839"/>
-          </a:xfrm>
-          <a:prstGeom prst="roundRect">
-            <a:avLst/>
-          </a:prstGeom>
-          <a:solidFill>
-            <a:schemeClr val="accent4">
-              <a:lumMod val="40000"/>
-              <a:lumOff val="60000"/>
-            </a:schemeClr>
-          </a:solidFill>
-          <a:ln w="19050">
-            <a:solidFill>
-              <a:schemeClr val="bg1">
-                <a:lumMod val="65000"/>
-              </a:schemeClr>
-            </a:solidFill>
-          </a:ln>
-        </p:spPr>
-        <p:style>
-          <a:lnRef idx="2">
-            <a:schemeClr val="accent1">
-              <a:shade val="50000"/>
-            </a:schemeClr>
-          </a:lnRef>
-          <a:fillRef idx="1">
-            <a:schemeClr val="accent1"/>
-          </a:fillRef>
-          <a:effectRef idx="0">
-            <a:schemeClr val="accent1"/>
-          </a:effectRef>
-          <a:fontRef idx="minor">
-            <a:schemeClr val="lt1"/>
-          </a:fontRef>
-        </p:style>
-        <p:txBody>
-          <a:bodyPr rtlCol="0" anchor="ctr"/>
-          <a:lstStyle/>
-          <a:p>
-            <a:pPr algn="ctr"/>
-            <a:r>
-              <a:rPr lang="en-US" sz="1200" dirty="0">
-                <a:solidFill>
-                  <a:schemeClr val="tx1">
-                    <a:lumMod val="75000"/>
-                    <a:lumOff val="25000"/>
-                  </a:schemeClr>
-                </a:solidFill>
-              </a:rPr>
-              <a:t>Game Instance</a:t>
-            </a:r>
-          </a:p>
-        </p:txBody>
-      </p:sp>
-      <p:sp>
-        <p:nvSpPr>
-          <p:cNvPr id="34" name="Rounded Rectangle 33">
-            <a:extLst>
-              <a:ext uri="{FF2B5EF4-FFF2-40B4-BE49-F238E27FC236}">
-                <a16:creationId xmlns:a16="http://schemas.microsoft.com/office/drawing/2014/main" id="{C86F2900-BB97-0E46-A5D0-E4477650702B}"/>
-              </a:ext>
-            </a:extLst>
-          </p:cNvPr>
-          <p:cNvSpPr/>
-          <p:nvPr/>
-        </p:nvSpPr>
-        <p:spPr>
-          <a:xfrm>
-            <a:off x="7724997" y="2036715"/>
-            <a:ext cx="1196301" cy="522839"/>
-          </a:xfrm>
-          <a:prstGeom prst="roundRect">
-            <a:avLst/>
-          </a:prstGeom>
-          <a:solidFill>
-            <a:schemeClr val="accent4">
-              <a:lumMod val="40000"/>
-              <a:lumOff val="60000"/>
-            </a:schemeClr>
-          </a:solidFill>
-          <a:ln w="19050">
-            <a:solidFill>
-              <a:schemeClr val="bg1">
-                <a:lumMod val="65000"/>
-              </a:schemeClr>
-            </a:solidFill>
-          </a:ln>
-        </p:spPr>
-        <p:style>
-          <a:lnRef idx="2">
-            <a:schemeClr val="accent1">
-              <a:shade val="50000"/>
-            </a:schemeClr>
-          </a:lnRef>
-          <a:fillRef idx="1">
-            <a:schemeClr val="accent1"/>
-          </a:fillRef>
-          <a:effectRef idx="0">
-            <a:schemeClr val="accent1"/>
-          </a:effectRef>
-          <a:fontRef idx="minor">
-            <a:schemeClr val="lt1"/>
-          </a:fontRef>
-        </p:style>
-        <p:txBody>
-          <a:bodyPr rtlCol="0" anchor="ctr"/>
-          <a:lstStyle/>
-          <a:p>
-            <a:pPr algn="ctr"/>
-            <a:r>
-              <a:rPr lang="en-US" sz="1200" dirty="0">
-                <a:solidFill>
-                  <a:schemeClr val="tx1">
-                    <a:lumMod val="75000"/>
-                    <a:lumOff val="25000"/>
-                  </a:schemeClr>
-                </a:solidFill>
-              </a:rPr>
-              <a:t>Game Instance</a:t>
-            </a:r>
-          </a:p>
-        </p:txBody>
-      </p:sp>
-      <p:sp>
-        <p:nvSpPr>
-          <p:cNvPr id="35" name="Rounded Rectangle 34">
-            <a:extLst>
-              <a:ext uri="{FF2B5EF4-FFF2-40B4-BE49-F238E27FC236}">
-                <a16:creationId xmlns:a16="http://schemas.microsoft.com/office/drawing/2014/main" id="{26C3332B-11B7-C340-B0A8-5A2B472D6BE6}"/>
-              </a:ext>
-            </a:extLst>
-          </p:cNvPr>
-          <p:cNvSpPr/>
-          <p:nvPr/>
-        </p:nvSpPr>
-        <p:spPr>
-          <a:xfrm>
-            <a:off x="7870778" y="1905516"/>
-            <a:ext cx="1196301" cy="522839"/>
-          </a:xfrm>
-          <a:prstGeom prst="roundRect">
-            <a:avLst/>
-          </a:prstGeom>
-          <a:solidFill>
-            <a:schemeClr val="accent4">
-              <a:lumMod val="40000"/>
-              <a:lumOff val="60000"/>
-            </a:schemeClr>
-          </a:solidFill>
-          <a:ln w="19050">
-            <a:solidFill>
-              <a:schemeClr val="bg1">
-                <a:lumMod val="65000"/>
-              </a:schemeClr>
-            </a:solidFill>
-          </a:ln>
-        </p:spPr>
-        <p:style>
-          <a:lnRef idx="2">
-            <a:schemeClr val="accent1">
-              <a:shade val="50000"/>
-            </a:schemeClr>
-          </a:lnRef>
-          <a:fillRef idx="1">
-            <a:schemeClr val="accent1"/>
-          </a:fillRef>
-          <a:effectRef idx="0">
-            <a:schemeClr val="accent1"/>
-          </a:effectRef>
-          <a:fontRef idx="minor">
-            <a:schemeClr val="lt1"/>
-          </a:fontRef>
-        </p:style>
-        <p:txBody>
-          <a:bodyPr rtlCol="0" anchor="ctr"/>
-          <a:lstStyle/>
-          <a:p>
-            <a:pPr algn="ctr"/>
-            <a:r>
-              <a:rPr lang="en-US" sz="1200" dirty="0">
-                <a:solidFill>
-                  <a:schemeClr val="tx1">
-                    <a:lumMod val="75000"/>
-                    <a:lumOff val="25000"/>
-                  </a:schemeClr>
-                </a:solidFill>
-              </a:rPr>
-              <a:t>Game Instance</a:t>
-            </a:r>
-          </a:p>
-        </p:txBody>
-      </p:sp>
-      <p:sp>
-        <p:nvSpPr>
-          <p:cNvPr id="36" name="Rounded Rectangle 35">
-            <a:extLst>
-              <a:ext uri="{FF2B5EF4-FFF2-40B4-BE49-F238E27FC236}">
-                <a16:creationId xmlns:a16="http://schemas.microsoft.com/office/drawing/2014/main" id="{E4A756EC-65D9-D54C-9FFD-BBFFEC6B1582}"/>
-              </a:ext>
-            </a:extLst>
-          </p:cNvPr>
-          <p:cNvSpPr/>
-          <p:nvPr/>
-        </p:nvSpPr>
-        <p:spPr>
-          <a:xfrm>
-            <a:off x="7994448" y="1742115"/>
-            <a:ext cx="1196301" cy="522839"/>
-          </a:xfrm>
-          <a:prstGeom prst="roundRect">
-            <a:avLst/>
-          </a:prstGeom>
-          <a:solidFill>
-            <a:schemeClr val="accent4">
-              <a:lumMod val="40000"/>
-              <a:lumOff val="60000"/>
-            </a:schemeClr>
-          </a:solidFill>
-          <a:ln w="19050">
-            <a:solidFill>
-              <a:schemeClr val="bg1">
-                <a:lumMod val="65000"/>
-              </a:schemeClr>
-            </a:solidFill>
-          </a:ln>
-        </p:spPr>
-        <p:style>
-          <a:lnRef idx="2">
-            <a:schemeClr val="accent1">
-              <a:shade val="50000"/>
-            </a:schemeClr>
-          </a:lnRef>
-          <a:fillRef idx="1">
-            <a:schemeClr val="accent1"/>
-          </a:fillRef>
-          <a:effectRef idx="0">
-            <a:schemeClr val="accent1"/>
-          </a:effectRef>
-          <a:fontRef idx="minor">
-            <a:schemeClr val="lt1"/>
-          </a:fontRef>
-        </p:style>
-        <p:txBody>
-          <a:bodyPr rtlCol="0" anchor="ctr"/>
-          <a:lstStyle/>
-          <a:p>
-            <a:pPr algn="ctr"/>
-            <a:r>
-              <a:rPr lang="en-US" sz="1200" dirty="0">
-                <a:solidFill>
-                  <a:schemeClr val="tx1">
-                    <a:lumMod val="75000"/>
-                    <a:lumOff val="25000"/>
-                  </a:schemeClr>
-                </a:solidFill>
-              </a:rPr>
-              <a:t>Game Instance</a:t>
-            </a:r>
-          </a:p>
-        </p:txBody>
-      </p:sp>
-      <p:cxnSp>
-        <p:nvCxnSpPr>
-          <p:cNvPr id="78" name="Straight Arrow Connector 77">
-            <a:extLst>
-              <a:ext uri="{FF2B5EF4-FFF2-40B4-BE49-F238E27FC236}">
-                <a16:creationId xmlns:a16="http://schemas.microsoft.com/office/drawing/2014/main" id="{C7767CA6-837C-D64E-91BE-0425F0AC9B20}"/>
-              </a:ext>
-            </a:extLst>
-          </p:cNvPr>
-          <p:cNvCxnSpPr>
-            <a:cxnSpLocks/>
-            <a:stCxn id="12" idx="2"/>
-            <a:endCxn id="4" idx="0"/>
-          </p:cNvCxnSpPr>
-          <p:nvPr/>
-        </p:nvCxnSpPr>
-        <p:spPr>
-          <a:xfrm>
-            <a:off x="3198161" y="3102836"/>
-            <a:ext cx="400374" cy="963997"/>
-          </a:xfrm>
-          <a:prstGeom prst="straightConnector1">
-            <a:avLst/>
-          </a:prstGeom>
-          <a:ln w="12700">
-            <a:solidFill>
-              <a:schemeClr val="bg1">
-                <a:lumMod val="50000"/>
-              </a:schemeClr>
-            </a:solidFill>
-            <a:headEnd type="stealth" w="lg" len="lg"/>
-            <a:tailEnd type="stealth" w="lg" len="lg"/>
-          </a:ln>
-        </p:spPr>
-        <p:style>
-          <a:lnRef idx="1">
-            <a:schemeClr val="accent2"/>
-          </a:lnRef>
-          <a:fillRef idx="0">
-            <a:schemeClr val="accent2"/>
-          </a:fillRef>
-          <a:effectRef idx="0">
-            <a:schemeClr val="accent2"/>
-          </a:effectRef>
-          <a:fontRef idx="minor">
-            <a:schemeClr val="tx1"/>
-          </a:fontRef>
-        </p:style>
-      </p:cxnSp>
-      <p:cxnSp>
-        <p:nvCxnSpPr>
-          <p:cNvPr id="79" name="Straight Arrow Connector 78">
-            <a:extLst>
-              <a:ext uri="{FF2B5EF4-FFF2-40B4-BE49-F238E27FC236}">
-                <a16:creationId xmlns:a16="http://schemas.microsoft.com/office/drawing/2014/main" id="{931EA1D7-2B6D-9049-87BB-84271FEAA2AE}"/>
-              </a:ext>
-            </a:extLst>
-          </p:cNvPr>
-          <p:cNvCxnSpPr>
-            <a:cxnSpLocks/>
-            <a:stCxn id="75" idx="2"/>
-            <a:endCxn id="66" idx="0"/>
-          </p:cNvCxnSpPr>
-          <p:nvPr/>
-        </p:nvCxnSpPr>
-        <p:spPr>
-          <a:xfrm>
-            <a:off x="5900432" y="3096572"/>
-            <a:ext cx="696854" cy="981366"/>
-          </a:xfrm>
-          <a:prstGeom prst="straightConnector1">
-            <a:avLst/>
-          </a:prstGeom>
-          <a:ln w="12700">
-            <a:solidFill>
-              <a:schemeClr val="bg1">
-                <a:lumMod val="50000"/>
-              </a:schemeClr>
-            </a:solidFill>
-            <a:headEnd type="stealth" w="lg" len="lg"/>
-            <a:tailEnd type="stealth" w="lg" len="lg"/>
-          </a:ln>
-        </p:spPr>
-        <p:style>
-          <a:lnRef idx="1">
-            <a:schemeClr val="accent2"/>
-          </a:lnRef>
-          <a:fillRef idx="0">
-            <a:schemeClr val="accent2"/>
-          </a:fillRef>
-          <a:effectRef idx="0">
-            <a:schemeClr val="accent2"/>
-          </a:effectRef>
-          <a:fontRef idx="minor">
-            <a:schemeClr val="tx1"/>
-          </a:fontRef>
-        </p:style>
-      </p:cxnSp>
-      <p:cxnSp>
-        <p:nvCxnSpPr>
-          <p:cNvPr id="80" name="Straight Arrow Connector 79">
-            <a:extLst>
-              <a:ext uri="{FF2B5EF4-FFF2-40B4-BE49-F238E27FC236}">
-                <a16:creationId xmlns:a16="http://schemas.microsoft.com/office/drawing/2014/main" id="{E2D961F3-A2A8-6A42-93E5-AA18DC19479D}"/>
-              </a:ext>
-            </a:extLst>
-          </p:cNvPr>
-          <p:cNvCxnSpPr>
-            <a:cxnSpLocks/>
-            <a:stCxn id="77" idx="2"/>
-            <a:endCxn id="74" idx="0"/>
-          </p:cNvCxnSpPr>
-          <p:nvPr/>
-        </p:nvCxnSpPr>
-        <p:spPr>
-          <a:xfrm>
-            <a:off x="8985967" y="3095968"/>
-            <a:ext cx="475019" cy="894736"/>
-          </a:xfrm>
-          <a:prstGeom prst="straightConnector1">
-            <a:avLst/>
-          </a:prstGeom>
-          <a:ln w="12700">
-            <a:solidFill>
-              <a:schemeClr val="bg1">
-                <a:lumMod val="50000"/>
-              </a:schemeClr>
-            </a:solidFill>
-            <a:headEnd type="stealth" w="lg" len="lg"/>
-            <a:tailEnd type="stealth" w="lg" len="lg"/>
-          </a:ln>
-        </p:spPr>
-        <p:style>
-          <a:lnRef idx="1">
-            <a:schemeClr val="accent2"/>
-          </a:lnRef>
-          <a:fillRef idx="0">
-            <a:schemeClr val="accent2"/>
-          </a:fillRef>
-          <a:effectRef idx="0">
-            <a:schemeClr val="accent2"/>
-          </a:effectRef>
-          <a:fontRef idx="minor">
-            <a:schemeClr val="tx1"/>
-          </a:fontRef>
-        </p:style>
-      </p:cxnSp>
-      <p:sp>
-        <p:nvSpPr>
-          <p:cNvPr id="81" name="TextBox 80">
-            <a:extLst>
-              <a:ext uri="{FF2B5EF4-FFF2-40B4-BE49-F238E27FC236}">
-                <a16:creationId xmlns:a16="http://schemas.microsoft.com/office/drawing/2014/main" id="{981568E6-3989-8047-A915-358C78C25948}"/>
-              </a:ext>
-            </a:extLst>
-          </p:cNvPr>
-          <p:cNvSpPr txBox="1"/>
-          <p:nvPr/>
-        </p:nvSpPr>
-        <p:spPr>
-          <a:xfrm>
-            <a:off x="1718776" y="6014103"/>
-            <a:ext cx="982813" cy="369332"/>
-          </a:xfrm>
-          <a:prstGeom prst="rect">
-            <a:avLst/>
-          </a:prstGeom>
-          <a:noFill/>
-        </p:spPr>
-        <p:txBody>
-          <a:bodyPr wrap="square">
-            <a:spAutoFit/>
-          </a:bodyPr>
-          <a:lstStyle/>
-          <a:p>
-            <a:r>
-              <a:rPr lang="en-US" sz="1800" dirty="0">
-                <a:solidFill>
-                  <a:schemeClr val="tx1"/>
-                </a:solidFill>
-              </a:rPr>
-              <a:t> player 1 </a:t>
-            </a:r>
-            <a:endParaRPr lang="en-US" dirty="0"/>
-          </a:p>
-        </p:txBody>
-      </p:sp>
-      <p:sp>
-        <p:nvSpPr>
-          <p:cNvPr id="82" name="TextBox 81">
-            <a:extLst>
-              <a:ext uri="{FF2B5EF4-FFF2-40B4-BE49-F238E27FC236}">
-                <a16:creationId xmlns:a16="http://schemas.microsoft.com/office/drawing/2014/main" id="{53311E2A-2BB0-264C-9490-F921CBC253F8}"/>
-              </a:ext>
-            </a:extLst>
-          </p:cNvPr>
-          <p:cNvSpPr txBox="1"/>
-          <p:nvPr/>
-        </p:nvSpPr>
-        <p:spPr>
-          <a:xfrm>
-            <a:off x="4672327" y="5965942"/>
-            <a:ext cx="982813" cy="369332"/>
-          </a:xfrm>
-          <a:prstGeom prst="rect">
-            <a:avLst/>
-          </a:prstGeom>
-          <a:noFill/>
-        </p:spPr>
-        <p:txBody>
-          <a:bodyPr wrap="square">
-            <a:spAutoFit/>
-          </a:bodyPr>
-          <a:lstStyle/>
-          <a:p>
-            <a:r>
-              <a:rPr lang="en-US" sz="1800" dirty="0">
-                <a:solidFill>
-                  <a:schemeClr val="tx1"/>
-                </a:solidFill>
-              </a:rPr>
-              <a:t> player </a:t>
-            </a:r>
-            <a:r>
-              <a:rPr lang="en-US" dirty="0"/>
-              <a:t>2</a:t>
-            </a:r>
-            <a:r>
-              <a:rPr lang="en-US" sz="1800" dirty="0">
-                <a:solidFill>
-                  <a:schemeClr val="tx1"/>
-                </a:solidFill>
-              </a:rPr>
-              <a:t> </a:t>
-            </a:r>
-            <a:endParaRPr lang="en-US" dirty="0"/>
-          </a:p>
-        </p:txBody>
-      </p:sp>
-      <p:sp>
-        <p:nvSpPr>
-          <p:cNvPr id="83" name="TextBox 82">
-            <a:extLst>
-              <a:ext uri="{FF2B5EF4-FFF2-40B4-BE49-F238E27FC236}">
-                <a16:creationId xmlns:a16="http://schemas.microsoft.com/office/drawing/2014/main" id="{D9544560-390B-0542-AA2C-CBA8D8F54791}"/>
-              </a:ext>
-            </a:extLst>
-          </p:cNvPr>
-          <p:cNvSpPr txBox="1"/>
-          <p:nvPr/>
-        </p:nvSpPr>
-        <p:spPr>
-          <a:xfrm>
-            <a:off x="8921298" y="5816624"/>
-            <a:ext cx="982813" cy="369332"/>
-          </a:xfrm>
-          <a:prstGeom prst="rect">
-            <a:avLst/>
-          </a:prstGeom>
-          <a:noFill/>
-        </p:spPr>
-        <p:txBody>
-          <a:bodyPr wrap="square">
-            <a:spAutoFit/>
-          </a:bodyPr>
-          <a:lstStyle/>
-          <a:p>
-            <a:r>
-              <a:rPr lang="en-US" sz="1800" dirty="0">
-                <a:solidFill>
-                  <a:schemeClr val="tx1"/>
-                </a:solidFill>
-              </a:rPr>
-              <a:t> player 3 </a:t>
-            </a:r>
-            <a:endParaRPr lang="en-US" dirty="0"/>
-          </a:p>
-        </p:txBody>
-      </p:sp>
-      <p:sp>
-        <p:nvSpPr>
-          <p:cNvPr id="84" name="TextBox 83">
-            <a:extLst>
-              <a:ext uri="{FF2B5EF4-FFF2-40B4-BE49-F238E27FC236}">
-                <a16:creationId xmlns:a16="http://schemas.microsoft.com/office/drawing/2014/main" id="{FFBC9D73-F30C-7147-A77C-9A068367185D}"/>
-              </a:ext>
-            </a:extLst>
-          </p:cNvPr>
-          <p:cNvSpPr txBox="1"/>
-          <p:nvPr/>
-        </p:nvSpPr>
-        <p:spPr>
-          <a:xfrm>
-            <a:off x="9916606" y="5699379"/>
-            <a:ext cx="982813" cy="369332"/>
-          </a:xfrm>
-          <a:prstGeom prst="rect">
-            <a:avLst/>
-          </a:prstGeom>
-          <a:noFill/>
-        </p:spPr>
-        <p:txBody>
-          <a:bodyPr wrap="square">
-            <a:spAutoFit/>
-          </a:bodyPr>
-          <a:lstStyle/>
-          <a:p>
-            <a:r>
-              <a:rPr lang="en-US" sz="1800" dirty="0">
-                <a:solidFill>
-                  <a:schemeClr val="tx1"/>
-                </a:solidFill>
-              </a:rPr>
-              <a:t> player 4 </a:t>
-            </a:r>
-            <a:endParaRPr lang="en-US" dirty="0"/>
-          </a:p>
-        </p:txBody>
-      </p:sp>
-    </p:spTree>
-    <p:extLst>
-      <p:ext uri="{BB962C8B-B14F-4D97-AF65-F5344CB8AC3E}">
-        <p14:creationId xmlns:p14="http://schemas.microsoft.com/office/powerpoint/2010/main" val="298365008"/>
-      </p:ext>
-    </p:extLst>
-  </p:cSld>
-  <p:clrMapOvr>
-    <a:masterClrMapping/>
-  </p:clrMapOvr>
-</p:sld>
-</file>
-
-<file path=ppt/slides/slide5.xml><?xml version="1.0" encoding="utf-8"?>
-<p:sld xmlns:a="http://schemas.openxmlformats.org/drawingml/2006/main" xmlns:r="http://schemas.openxmlformats.org/officeDocument/2006/relationships" xmlns:p="http://schemas.openxmlformats.org/presentationml/2006/main">
-  <p:cSld>
-    <p:spTree>
-      <p:nvGrpSpPr>
-        <p:cNvPr id="1" name=""/>
-        <p:cNvGrpSpPr/>
-        <p:nvPr/>
-      </p:nvGrpSpPr>
-      <p:grpSpPr>
-        <a:xfrm>
-          <a:off x="0" y="0"/>
-          <a:ext cx="0" cy="0"/>
-          <a:chOff x="0" y="0"/>
-          <a:chExt cx="0" cy="0"/>
-        </a:xfrm>
-      </p:grpSpPr>
-      <p:sp>
-        <p:nvSpPr>
-          <p:cNvPr id="2" name="Title 1">
-            <a:extLst>
-              <a:ext uri="{FF2B5EF4-FFF2-40B4-BE49-F238E27FC236}">
                 <a16:creationId xmlns:a16="http://schemas.microsoft.com/office/drawing/2014/main" id="{25F0B470-C150-4F4A-ADB6-09A7AB5113AD}"/>
               </a:ext>
             </a:extLst>
@@ -12022,7 +9653,7 @@
           <a:p>
             <a:r>
               <a:rPr lang="en-US" sz="2400" dirty="0"/>
-              <a:t>Storage API compatibility</a:t>
+              <a:t>Unified Storage API compatibility</a:t>
             </a:r>
           </a:p>
           <a:p>
@@ -13150,7 +10781,7 @@
 </p:sld>
 </file>
 
-<file path=ppt/slides/slide6.xml><?xml version="1.0" encoding="utf-8"?>
+<file path=ppt/slides/slide5.xml><?xml version="1.0" encoding="utf-8"?>
 <p:sld xmlns:a="http://schemas.openxmlformats.org/drawingml/2006/main" xmlns:r="http://schemas.openxmlformats.org/officeDocument/2006/relationships" xmlns:p="http://schemas.openxmlformats.org/presentationml/2006/main">
   <p:cSld>
     <p:spTree>
@@ -13169,259 +10800,2712 @@
       </p:grpSpPr>
       <p:sp>
         <p:nvSpPr>
-          <p:cNvPr id="2" name="Title 1">
-            <a:extLst>
-              <a:ext uri="{FF2B5EF4-FFF2-40B4-BE49-F238E27FC236}">
-                <a16:creationId xmlns:a16="http://schemas.microsoft.com/office/drawing/2014/main" id="{25F0B470-C150-4F4A-ADB6-09A7AB5113AD}"/>
-              </a:ext>
-            </a:extLst>
-          </p:cNvPr>
-          <p:cNvSpPr>
-            <a:spLocks noGrp="1"/>
-          </p:cNvSpPr>
-          <p:nvPr>
-            <p:ph type="title"/>
-          </p:nvPr>
-        </p:nvSpPr>
-        <p:spPr>
-          <a:xfrm>
-            <a:off x="238215" y="216271"/>
-            <a:ext cx="10515600" cy="653676"/>
-          </a:xfrm>
-        </p:spPr>
-        <p:txBody>
-          <a:bodyPr>
-            <a:normAutofit fontScale="90000"/>
+          <p:cNvPr id="4" name="Rectangle 3">
+            <a:extLst>
+              <a:ext uri="{FF2B5EF4-FFF2-40B4-BE49-F238E27FC236}">
+                <a16:creationId xmlns:a16="http://schemas.microsoft.com/office/drawing/2014/main" id="{9164DBC3-E4E9-8847-8FC9-68F8C3FA9372}"/>
+              </a:ext>
+            </a:extLst>
+          </p:cNvPr>
+          <p:cNvSpPr/>
+          <p:nvPr/>
+        </p:nvSpPr>
+        <p:spPr>
+          <a:xfrm>
+            <a:off x="856452" y="4105094"/>
+            <a:ext cx="1639230" cy="1622656"/>
+          </a:xfrm>
+          <a:prstGeom prst="rect">
+            <a:avLst/>
+          </a:prstGeom>
+          <a:solidFill>
+            <a:schemeClr val="bg1">
+              <a:lumMod val="85000"/>
+            </a:schemeClr>
+          </a:solidFill>
+          <a:ln w="19050">
+            <a:solidFill>
+              <a:schemeClr val="bg1">
+                <a:lumMod val="65000"/>
+              </a:schemeClr>
+            </a:solidFill>
+          </a:ln>
+          <a:effectLst>
+            <a:outerShdw blurRad="50800" dist="38100" dir="2700000" algn="tl" rotWithShape="0">
+              <a:prstClr val="black">
+                <a:alpha val="40000"/>
+              </a:prstClr>
+            </a:outerShdw>
+          </a:effectLst>
+        </p:spPr>
+        <p:style>
+          <a:lnRef idx="2">
+            <a:schemeClr val="accent1">
+              <a:shade val="50000"/>
+            </a:schemeClr>
+          </a:lnRef>
+          <a:fillRef idx="1">
+            <a:schemeClr val="accent1"/>
+          </a:fillRef>
+          <a:effectRef idx="0">
+            <a:schemeClr val="accent1"/>
+          </a:effectRef>
+          <a:fontRef idx="minor">
+            <a:schemeClr val="lt1"/>
+          </a:fontRef>
+        </p:style>
+        <p:txBody>
+          <a:bodyPr rtlCol="0" anchor="ctr"/>
+          <a:lstStyle/>
+          <a:p>
+            <a:pPr algn="ctr"/>
+            <a:endParaRPr lang="en-US" dirty="0">
+              <a:solidFill>
+                <a:schemeClr val="tx1"/>
+              </a:solidFill>
+            </a:endParaRPr>
+          </a:p>
+        </p:txBody>
+      </p:sp>
+      <p:sp>
+        <p:nvSpPr>
+          <p:cNvPr id="6" name="Rectangle 5">
+            <a:extLst>
+              <a:ext uri="{FF2B5EF4-FFF2-40B4-BE49-F238E27FC236}">
+                <a16:creationId xmlns:a16="http://schemas.microsoft.com/office/drawing/2014/main" id="{6342234E-8CAC-EE45-8204-D465B0E38A1E}"/>
+              </a:ext>
+            </a:extLst>
+          </p:cNvPr>
+          <p:cNvSpPr/>
+          <p:nvPr/>
+        </p:nvSpPr>
+        <p:spPr>
+          <a:xfrm>
+            <a:off x="3562480" y="3760558"/>
+            <a:ext cx="1731792" cy="1458750"/>
+          </a:xfrm>
+          <a:prstGeom prst="rect">
+            <a:avLst/>
+          </a:prstGeom>
+          <a:solidFill>
+            <a:schemeClr val="bg1">
+              <a:lumMod val="85000"/>
+            </a:schemeClr>
+          </a:solidFill>
+          <a:ln w="19050">
+            <a:solidFill>
+              <a:schemeClr val="bg1">
+                <a:lumMod val="65000"/>
+              </a:schemeClr>
+            </a:solidFill>
+          </a:ln>
+          <a:effectLst>
+            <a:outerShdw blurRad="50800" dist="38100" dir="2700000" algn="tl" rotWithShape="0">
+              <a:prstClr val="black">
+                <a:alpha val="40000"/>
+              </a:prstClr>
+            </a:outerShdw>
+          </a:effectLst>
+        </p:spPr>
+        <p:style>
+          <a:lnRef idx="2">
+            <a:schemeClr val="accent1">
+              <a:shade val="50000"/>
+            </a:schemeClr>
+          </a:lnRef>
+          <a:fillRef idx="1">
+            <a:schemeClr val="accent1"/>
+          </a:fillRef>
+          <a:effectRef idx="0">
+            <a:schemeClr val="accent1"/>
+          </a:effectRef>
+          <a:fontRef idx="minor">
+            <a:schemeClr val="lt1"/>
+          </a:fontRef>
+        </p:style>
+        <p:txBody>
+          <a:bodyPr rtlCol="0" anchor="ctr"/>
+          <a:lstStyle/>
+          <a:p>
+            <a:pPr algn="ctr"/>
+            <a:endParaRPr lang="en-US" dirty="0">
+              <a:solidFill>
+                <a:schemeClr val="tx1"/>
+              </a:solidFill>
+            </a:endParaRPr>
+          </a:p>
+        </p:txBody>
+      </p:sp>
+      <p:sp>
+        <p:nvSpPr>
+          <p:cNvPr id="31" name="TextBox 30">
+            <a:extLst>
+              <a:ext uri="{FF2B5EF4-FFF2-40B4-BE49-F238E27FC236}">
+                <a16:creationId xmlns:a16="http://schemas.microsoft.com/office/drawing/2014/main" id="{03135DD6-8A1F-3B4A-9C38-C15C7B1AA951}"/>
+              </a:ext>
+            </a:extLst>
+          </p:cNvPr>
+          <p:cNvSpPr txBox="1"/>
+          <p:nvPr/>
+        </p:nvSpPr>
+        <p:spPr>
+          <a:xfrm>
+            <a:off x="1251705" y="5806856"/>
+            <a:ext cx="1701491" cy="307777"/>
+          </a:xfrm>
+          <a:prstGeom prst="rect">
+            <a:avLst/>
+          </a:prstGeom>
+          <a:noFill/>
+        </p:spPr>
+        <p:txBody>
+          <a:bodyPr wrap="none" rtlCol="0">
+            <a:spAutoFit/>
           </a:bodyPr>
           <a:lstStyle/>
           <a:p>
             <a:r>
-              <a:rPr lang="en-US" dirty="0"/>
-              <a:t>Key Requirements</a:t>
-            </a:r>
-          </a:p>
-        </p:txBody>
-      </p:sp>
-      <p:sp>
-        <p:nvSpPr>
-          <p:cNvPr id="3" name="Content Placeholder 2">
-            <a:extLst>
-              <a:ext uri="{FF2B5EF4-FFF2-40B4-BE49-F238E27FC236}">
-                <a16:creationId xmlns:a16="http://schemas.microsoft.com/office/drawing/2014/main" id="{4E324A7B-DCF9-E044-9F00-1AA2BBACA78B}"/>
-              </a:ext>
-            </a:extLst>
-          </p:cNvPr>
-          <p:cNvSpPr>
-            <a:spLocks noGrp="1"/>
-          </p:cNvSpPr>
-          <p:nvPr>
-            <p:ph idx="1"/>
-          </p:nvPr>
-        </p:nvSpPr>
-        <p:spPr>
-          <a:xfrm>
-            <a:off x="1441409" y="1088283"/>
-            <a:ext cx="10515600" cy="5451600"/>
-          </a:xfrm>
-        </p:spPr>
-        <p:txBody>
-          <a:bodyPr>
-            <a:normAutofit fontScale="92500" lnSpcReduction="20000"/>
+              <a:rPr lang="en-US" sz="1400" dirty="0"/>
+              <a:t>Region 1, e.g. Beijing</a:t>
+            </a:r>
+          </a:p>
+        </p:txBody>
+      </p:sp>
+      <p:sp>
+        <p:nvSpPr>
+          <p:cNvPr id="32" name="TextBox 31">
+            <a:extLst>
+              <a:ext uri="{FF2B5EF4-FFF2-40B4-BE49-F238E27FC236}">
+                <a16:creationId xmlns:a16="http://schemas.microsoft.com/office/drawing/2014/main" id="{7EA48588-7A3B-914D-A27C-4071A091B179}"/>
+              </a:ext>
+            </a:extLst>
+          </p:cNvPr>
+          <p:cNvSpPr txBox="1"/>
+          <p:nvPr/>
+        </p:nvSpPr>
+        <p:spPr>
+          <a:xfrm>
+            <a:off x="4481045" y="5223765"/>
+            <a:ext cx="816314" cy="307777"/>
+          </a:xfrm>
+          <a:prstGeom prst="rect">
+            <a:avLst/>
+          </a:prstGeom>
+          <a:noFill/>
+        </p:spPr>
+        <p:txBody>
+          <a:bodyPr wrap="none" rtlCol="0">
+            <a:spAutoFit/>
           </a:bodyPr>
           <a:lstStyle/>
           <a:p>
             <a:r>
-              <a:rPr lang="en-US" sz="2400" dirty="0"/>
-              <a:t>Performance</a:t>
-            </a:r>
-          </a:p>
-          <a:p>
-            <a:pPr lvl="1"/>
-            <a:r>
-              <a:rPr lang="en-US" sz="2000" dirty="0">
+              <a:rPr lang="en-US" sz="1400" dirty="0"/>
+              <a:t>Region 2</a:t>
+            </a:r>
+          </a:p>
+        </p:txBody>
+      </p:sp>
+      <p:grpSp>
+        <p:nvGrpSpPr>
+          <p:cNvPr id="42" name="Group 41">
+            <a:extLst>
+              <a:ext uri="{FF2B5EF4-FFF2-40B4-BE49-F238E27FC236}">
+                <a16:creationId xmlns:a16="http://schemas.microsoft.com/office/drawing/2014/main" id="{2777A980-D2C4-9542-AFFE-223C0FC63192}"/>
+              </a:ext>
+            </a:extLst>
+          </p:cNvPr>
+          <p:cNvGrpSpPr/>
+          <p:nvPr/>
+        </p:nvGrpSpPr>
+        <p:grpSpPr>
+          <a:xfrm>
+            <a:off x="3741891" y="3864838"/>
+            <a:ext cx="1427895" cy="852923"/>
+            <a:chOff x="4112073" y="4678340"/>
+            <a:chExt cx="1427895" cy="852923"/>
+          </a:xfrm>
+        </p:grpSpPr>
+        <p:sp>
+          <p:nvSpPr>
+            <p:cNvPr id="36" name="Rectangle 35">
+              <a:extLst>
+                <a:ext uri="{FF2B5EF4-FFF2-40B4-BE49-F238E27FC236}">
+                  <a16:creationId xmlns:a16="http://schemas.microsoft.com/office/drawing/2014/main" id="{86BBD433-4E6A-6A48-8E67-1789F90A051D}"/>
+                </a:ext>
+              </a:extLst>
+            </p:cNvPr>
+            <p:cNvSpPr/>
+            <p:nvPr/>
+          </p:nvSpPr>
+          <p:spPr>
+            <a:xfrm>
+              <a:off x="4112073" y="4919047"/>
+              <a:ext cx="1148515" cy="612216"/>
+            </a:xfrm>
+            <a:prstGeom prst="rect">
+              <a:avLst/>
+            </a:prstGeom>
+            <a:solidFill>
+              <a:schemeClr val="accent4">
+                <a:lumMod val="20000"/>
+                <a:lumOff val="80000"/>
+              </a:schemeClr>
+            </a:solidFill>
+            <a:ln w="19050">
+              <a:solidFill>
+                <a:schemeClr val="bg1">
+                  <a:lumMod val="65000"/>
+                </a:schemeClr>
+              </a:solidFill>
+            </a:ln>
+            <a:effectLst>
+              <a:outerShdw blurRad="50800" dist="38100" dir="2700000" algn="tl" rotWithShape="0">
+                <a:prstClr val="black">
+                  <a:alpha val="40000"/>
+                </a:prstClr>
+              </a:outerShdw>
+            </a:effectLst>
+          </p:spPr>
+          <p:style>
+            <a:lnRef idx="2">
+              <a:schemeClr val="accent1">
+                <a:shade val="50000"/>
+              </a:schemeClr>
+            </a:lnRef>
+            <a:fillRef idx="1">
+              <a:schemeClr val="accent1"/>
+            </a:fillRef>
+            <a:effectRef idx="0">
+              <a:schemeClr val="accent1"/>
+            </a:effectRef>
+            <a:fontRef idx="minor">
+              <a:schemeClr val="lt1"/>
+            </a:fontRef>
+          </p:style>
+          <p:txBody>
+            <a:bodyPr rtlCol="0" anchor="ctr"/>
+            <a:lstStyle/>
+            <a:p>
+              <a:pPr algn="ctr"/>
+              <a:endParaRPr lang="en-US" dirty="0">
                 <a:solidFill>
-                  <a:schemeClr val="bg2">
-                    <a:lumMod val="25000"/>
-                  </a:schemeClr>
+                  <a:schemeClr val="tx1"/>
                 </a:solidFill>
-              </a:rPr>
-              <a:t>Latency</a:t>
-            </a:r>
-          </a:p>
-          <a:p>
-            <a:pPr lvl="1"/>
-            <a:r>
-              <a:rPr lang="en-US" sz="2000" dirty="0">
-                <a:solidFill>
-                  <a:schemeClr val="bg2">
-                    <a:lumMod val="25000"/>
-                  </a:schemeClr>
-                </a:solidFill>
-              </a:rPr>
-              <a:t>Throughput</a:t>
-            </a:r>
-          </a:p>
-          <a:p>
-            <a:pPr lvl="1"/>
-            <a:endParaRPr lang="en-US" sz="900" dirty="0"/>
-          </a:p>
-          <a:p>
-            <a:r>
-              <a:rPr lang="en-US" sz="2400" dirty="0"/>
-              <a:t>Capacity Limit</a:t>
-            </a:r>
-          </a:p>
-          <a:p>
-            <a:pPr lvl="1"/>
-            <a:r>
-              <a:rPr lang="en-US" sz="2100" b="1" dirty="0">
-                <a:solidFill>
-                  <a:srgbClr val="00B050"/>
-                </a:solidFill>
-              </a:rPr>
-              <a:t>Partitioned</a:t>
-            </a:r>
-          </a:p>
-          <a:p>
-            <a:pPr lvl="1"/>
-            <a:endParaRPr lang="en-US" sz="1100" dirty="0"/>
-          </a:p>
-          <a:p>
-            <a:r>
-              <a:rPr lang="en-US" sz="2400" b="1" dirty="0">
-                <a:solidFill>
-                  <a:srgbClr val="00B050"/>
-                </a:solidFill>
-              </a:rPr>
-              <a:t>Unified Storage API compatibility</a:t>
-            </a:r>
-          </a:p>
-          <a:p>
-            <a:pPr lvl="1"/>
-            <a:r>
-              <a:rPr lang="en-US" sz="2100" dirty="0">
-                <a:solidFill>
-                  <a:schemeClr val="bg2">
-                    <a:lumMod val="25000"/>
-                  </a:schemeClr>
-                </a:solidFill>
-              </a:rPr>
-              <a:t>e.g. etcd CRUD &amp; list-watch </a:t>
-            </a:r>
-          </a:p>
-          <a:p>
-            <a:pPr lvl="1"/>
-            <a:r>
-              <a:rPr lang="en-US" sz="2100" dirty="0">
-                <a:solidFill>
-                  <a:schemeClr val="bg2">
-                    <a:lumMod val="25000"/>
-                  </a:schemeClr>
-                </a:solidFill>
-              </a:rPr>
-              <a:t>KV put/get</a:t>
-            </a:r>
-          </a:p>
-          <a:p>
-            <a:pPr lvl="1"/>
-            <a:r>
-              <a:rPr lang="en-US" sz="2100" dirty="0">
-                <a:solidFill>
-                  <a:schemeClr val="bg2">
-                    <a:lumMod val="25000"/>
-                  </a:schemeClr>
-                </a:solidFill>
-              </a:rPr>
-              <a:t>Message Queue pub/sub</a:t>
-            </a:r>
-          </a:p>
-          <a:p>
-            <a:pPr lvl="1"/>
-            <a:endParaRPr lang="en-US" sz="1000" dirty="0"/>
-          </a:p>
-          <a:p>
-            <a:r>
-              <a:rPr lang="en-US" sz="2400" dirty="0"/>
-              <a:t>Fault Tolerance</a:t>
-            </a:r>
-          </a:p>
-          <a:p>
-            <a:pPr lvl="1"/>
-            <a:r>
-              <a:rPr lang="en-US" sz="2100" dirty="0">
-                <a:solidFill>
-                  <a:schemeClr val="bg2">
-                    <a:lumMod val="25000"/>
-                  </a:schemeClr>
-                </a:solidFill>
-              </a:rPr>
-              <a:t>Network partition</a:t>
-            </a:r>
-          </a:p>
-          <a:p>
-            <a:pPr lvl="1"/>
-            <a:r>
-              <a:rPr lang="en-US" sz="2100" dirty="0">
-                <a:solidFill>
-                  <a:schemeClr val="bg2">
-                    <a:lumMod val="25000"/>
-                  </a:schemeClr>
-                </a:solidFill>
-              </a:rPr>
-              <a:t>Storage node failures</a:t>
-            </a:r>
-          </a:p>
-          <a:p>
-            <a:endParaRPr lang="en-US" sz="1000" dirty="0"/>
-          </a:p>
-          <a:p>
-            <a:r>
-              <a:rPr lang="en-US" sz="2400" dirty="0"/>
-              <a:t>Consistency</a:t>
-            </a:r>
-          </a:p>
-          <a:p>
-            <a:pPr lvl="1"/>
-            <a:r>
-              <a:rPr lang="en-US" sz="2100" dirty="0">
-                <a:solidFill>
-                  <a:schemeClr val="bg2">
-                    <a:lumMod val="25000"/>
-                  </a:schemeClr>
-                </a:solidFill>
-              </a:rPr>
-              <a:t>Within a cluster: C+P (Strong) or A+P (Eventual, master-slave)</a:t>
-            </a:r>
-          </a:p>
-          <a:p>
-            <a:pPr lvl="1"/>
-            <a:r>
-              <a:rPr lang="en-US" sz="2100" dirty="0">
-                <a:solidFill>
-                  <a:schemeClr val="bg2">
-                    <a:lumMod val="25000"/>
-                  </a:schemeClr>
-                </a:solidFill>
-              </a:rPr>
-              <a:t>Between clusters: A+P (Strong, , master-slave) or </a:t>
-            </a:r>
-            <a:r>
-              <a:rPr lang="en-US" sz="2100" b="1" dirty="0">
-                <a:solidFill>
-                  <a:srgbClr val="00B050"/>
-                </a:solidFill>
-              </a:rPr>
-              <a:t>“C”+A+P (Eventual, master-master)</a:t>
-            </a:r>
-          </a:p>
-        </p:txBody>
-      </p:sp>
-      <p:sp>
-        <p:nvSpPr>
-          <p:cNvPr id="4" name="Parallelogram 3">
-            <a:extLst>
-              <a:ext uri="{FF2B5EF4-FFF2-40B4-BE49-F238E27FC236}">
-                <a16:creationId xmlns:a16="http://schemas.microsoft.com/office/drawing/2014/main" id="{B7B8F9E4-84D2-D640-B481-4079DB45DA29}"/>
+              </a:endParaRPr>
+            </a:p>
+          </p:txBody>
+        </p:sp>
+        <p:sp>
+          <p:nvSpPr>
+            <p:cNvPr id="39" name="TextBox 38">
+              <a:extLst>
+                <a:ext uri="{FF2B5EF4-FFF2-40B4-BE49-F238E27FC236}">
+                  <a16:creationId xmlns:a16="http://schemas.microsoft.com/office/drawing/2014/main" id="{A0BCB6D2-CD93-DB4F-9B1A-D50CEBF46E4D}"/>
+                </a:ext>
+              </a:extLst>
+            </p:cNvPr>
+            <p:cNvSpPr txBox="1"/>
+            <p:nvPr/>
+          </p:nvSpPr>
+          <p:spPr>
+            <a:xfrm>
+              <a:off x="4465635" y="4678340"/>
+              <a:ext cx="1074333" cy="261610"/>
+            </a:xfrm>
+            <a:prstGeom prst="rect">
+              <a:avLst/>
+            </a:prstGeom>
+            <a:noFill/>
+          </p:spPr>
+          <p:txBody>
+            <a:bodyPr wrap="none" rtlCol="0">
+              <a:spAutoFit/>
+            </a:bodyPr>
+            <a:lstStyle/>
+            <a:p>
+              <a:r>
+                <a:rPr lang="en-US" sz="1050" dirty="0"/>
+                <a:t>Data Location 4</a:t>
+              </a:r>
+            </a:p>
+          </p:txBody>
+        </p:sp>
+      </p:grpSp>
+      <p:sp>
+        <p:nvSpPr>
+          <p:cNvPr id="18" name="Rectangle 17">
+            <a:extLst>
+              <a:ext uri="{FF2B5EF4-FFF2-40B4-BE49-F238E27FC236}">
+                <a16:creationId xmlns:a16="http://schemas.microsoft.com/office/drawing/2014/main" id="{897935FE-659B-1447-A80F-08295051AE29}"/>
+              </a:ext>
+            </a:extLst>
+          </p:cNvPr>
+          <p:cNvSpPr/>
+          <p:nvPr/>
+        </p:nvSpPr>
+        <p:spPr>
+          <a:xfrm>
+            <a:off x="4415547" y="1185473"/>
+            <a:ext cx="1812481" cy="1039928"/>
+          </a:xfrm>
+          <a:prstGeom prst="rect">
+            <a:avLst/>
+          </a:prstGeom>
+          <a:solidFill>
+            <a:schemeClr val="accent4">
+              <a:lumMod val="20000"/>
+              <a:lumOff val="80000"/>
+            </a:schemeClr>
+          </a:solidFill>
+          <a:ln w="19050">
+            <a:solidFill>
+              <a:schemeClr val="bg1">
+                <a:lumMod val="65000"/>
+              </a:schemeClr>
+            </a:solidFill>
+          </a:ln>
+          <a:effectLst>
+            <a:outerShdw blurRad="50800" dist="38100" dir="2700000" algn="tl" rotWithShape="0">
+              <a:prstClr val="black">
+                <a:alpha val="40000"/>
+              </a:prstClr>
+            </a:outerShdw>
+          </a:effectLst>
+        </p:spPr>
+        <p:style>
+          <a:lnRef idx="2">
+            <a:schemeClr val="accent1">
+              <a:shade val="50000"/>
+            </a:schemeClr>
+          </a:lnRef>
+          <a:fillRef idx="1">
+            <a:schemeClr val="accent1"/>
+          </a:fillRef>
+          <a:effectRef idx="0">
+            <a:schemeClr val="accent1"/>
+          </a:effectRef>
+          <a:fontRef idx="minor">
+            <a:schemeClr val="lt1"/>
+          </a:fontRef>
+        </p:style>
+        <p:txBody>
+          <a:bodyPr rtlCol="0" anchor="ctr"/>
+          <a:lstStyle/>
+          <a:p>
+            <a:pPr algn="ctr"/>
+            <a:endParaRPr lang="en-US" dirty="0">
+              <a:solidFill>
+                <a:schemeClr val="tx1"/>
+              </a:solidFill>
+            </a:endParaRPr>
+          </a:p>
+        </p:txBody>
+      </p:sp>
+      <p:sp>
+        <p:nvSpPr>
+          <p:cNvPr id="10" name="Rectangle 9">
+            <a:extLst>
+              <a:ext uri="{FF2B5EF4-FFF2-40B4-BE49-F238E27FC236}">
+                <a16:creationId xmlns:a16="http://schemas.microsoft.com/office/drawing/2014/main" id="{EDF6F228-77FC-3D4C-BFF7-5B23EA30128C}"/>
+              </a:ext>
+            </a:extLst>
+          </p:cNvPr>
+          <p:cNvSpPr/>
+          <p:nvPr/>
+        </p:nvSpPr>
+        <p:spPr>
+          <a:xfrm>
+            <a:off x="1923250" y="1561903"/>
+            <a:ext cx="1639230" cy="1039928"/>
+          </a:xfrm>
+          <a:prstGeom prst="rect">
+            <a:avLst/>
+          </a:prstGeom>
+          <a:solidFill>
+            <a:schemeClr val="accent4">
+              <a:lumMod val="20000"/>
+              <a:lumOff val="80000"/>
+            </a:schemeClr>
+          </a:solidFill>
+          <a:ln w="19050">
+            <a:solidFill>
+              <a:schemeClr val="bg1">
+                <a:lumMod val="65000"/>
+              </a:schemeClr>
+            </a:solidFill>
+          </a:ln>
+          <a:effectLst>
+            <a:outerShdw blurRad="50800" dist="38100" dir="2700000" algn="tl" rotWithShape="0">
+              <a:prstClr val="black">
+                <a:alpha val="40000"/>
+              </a:prstClr>
+            </a:outerShdw>
+          </a:effectLst>
+        </p:spPr>
+        <p:style>
+          <a:lnRef idx="2">
+            <a:schemeClr val="accent1">
+              <a:shade val="50000"/>
+            </a:schemeClr>
+          </a:lnRef>
+          <a:fillRef idx="1">
+            <a:schemeClr val="accent1"/>
+          </a:fillRef>
+          <a:effectRef idx="0">
+            <a:schemeClr val="accent1"/>
+          </a:effectRef>
+          <a:fontRef idx="minor">
+            <a:schemeClr val="lt1"/>
+          </a:fontRef>
+        </p:style>
+        <p:txBody>
+          <a:bodyPr rtlCol="0" anchor="ctr"/>
+          <a:lstStyle/>
+          <a:p>
+            <a:pPr algn="ctr"/>
+            <a:endParaRPr lang="en-US" dirty="0">
+              <a:solidFill>
+                <a:schemeClr val="tx1"/>
+              </a:solidFill>
+            </a:endParaRPr>
+          </a:p>
+        </p:txBody>
+      </p:sp>
+      <p:sp>
+        <p:nvSpPr>
+          <p:cNvPr id="11" name="Can 10">
+            <a:extLst>
+              <a:ext uri="{FF2B5EF4-FFF2-40B4-BE49-F238E27FC236}">
+                <a16:creationId xmlns:a16="http://schemas.microsoft.com/office/drawing/2014/main" id="{36835D4F-9867-2049-825C-B3CD947E3FD6}"/>
+              </a:ext>
+            </a:extLst>
+          </p:cNvPr>
+          <p:cNvSpPr/>
+          <p:nvPr/>
+        </p:nvSpPr>
+        <p:spPr>
+          <a:xfrm>
+            <a:off x="2296907" y="1992832"/>
+            <a:ext cx="364592" cy="328848"/>
+          </a:xfrm>
+          <a:prstGeom prst="can">
+            <a:avLst/>
+          </a:prstGeom>
+          <a:solidFill>
+            <a:schemeClr val="accent4">
+              <a:lumMod val="40000"/>
+              <a:lumOff val="60000"/>
+            </a:schemeClr>
+          </a:solidFill>
+          <a:ln>
+            <a:solidFill>
+              <a:schemeClr val="bg2">
+                <a:lumMod val="25000"/>
+              </a:schemeClr>
+            </a:solidFill>
+          </a:ln>
+        </p:spPr>
+        <p:style>
+          <a:lnRef idx="2">
+            <a:schemeClr val="accent1">
+              <a:shade val="50000"/>
+            </a:schemeClr>
+          </a:lnRef>
+          <a:fillRef idx="1">
+            <a:schemeClr val="accent1"/>
+          </a:fillRef>
+          <a:effectRef idx="0">
+            <a:schemeClr val="accent1"/>
+          </a:effectRef>
+          <a:fontRef idx="minor">
+            <a:schemeClr val="lt1"/>
+          </a:fontRef>
+        </p:style>
+        <p:txBody>
+          <a:bodyPr rtlCol="0" anchor="ctr"/>
+          <a:lstStyle/>
+          <a:p>
+            <a:pPr algn="ctr"/>
+            <a:endParaRPr lang="en-US" sz="1000"/>
+          </a:p>
+        </p:txBody>
+      </p:sp>
+      <p:sp>
+        <p:nvSpPr>
+          <p:cNvPr id="12" name="Can 11">
+            <a:extLst>
+              <a:ext uri="{FF2B5EF4-FFF2-40B4-BE49-F238E27FC236}">
+                <a16:creationId xmlns:a16="http://schemas.microsoft.com/office/drawing/2014/main" id="{BADD8AD2-B7AB-BD4D-BA25-DA19A9F75EB0}"/>
+              </a:ext>
+            </a:extLst>
+          </p:cNvPr>
+          <p:cNvSpPr/>
+          <p:nvPr/>
+        </p:nvSpPr>
+        <p:spPr>
+          <a:xfrm>
+            <a:off x="2560569" y="1933862"/>
+            <a:ext cx="364592" cy="328848"/>
+          </a:xfrm>
+          <a:prstGeom prst="can">
+            <a:avLst/>
+          </a:prstGeom>
+          <a:solidFill>
+            <a:schemeClr val="accent4">
+              <a:lumMod val="40000"/>
+              <a:lumOff val="60000"/>
+            </a:schemeClr>
+          </a:solidFill>
+          <a:ln>
+            <a:solidFill>
+              <a:schemeClr val="bg2">
+                <a:lumMod val="25000"/>
+              </a:schemeClr>
+            </a:solidFill>
+          </a:ln>
+        </p:spPr>
+        <p:style>
+          <a:lnRef idx="2">
+            <a:schemeClr val="accent1">
+              <a:shade val="50000"/>
+            </a:schemeClr>
+          </a:lnRef>
+          <a:fillRef idx="1">
+            <a:schemeClr val="accent1"/>
+          </a:fillRef>
+          <a:effectRef idx="0">
+            <a:schemeClr val="accent1"/>
+          </a:effectRef>
+          <a:fontRef idx="minor">
+            <a:schemeClr val="lt1"/>
+          </a:fontRef>
+        </p:style>
+        <p:txBody>
+          <a:bodyPr rtlCol="0" anchor="ctr"/>
+          <a:lstStyle/>
+          <a:p>
+            <a:pPr algn="ctr"/>
+            <a:endParaRPr lang="en-US" sz="1000"/>
+          </a:p>
+        </p:txBody>
+      </p:sp>
+      <mc:AlternateContent xmlns:mc="http://schemas.openxmlformats.org/markup-compatibility/2006" xmlns:a14="http://schemas.microsoft.com/office/drawing/2010/main">
+        <mc:Choice Requires="a14">
+          <p:sp>
+            <p:nvSpPr>
+              <p:cNvPr id="14" name="TextBox 13">
+                <a:extLst>
+                  <a:ext uri="{FF2B5EF4-FFF2-40B4-BE49-F238E27FC236}">
+                    <a16:creationId xmlns:a16="http://schemas.microsoft.com/office/drawing/2014/main" id="{C50BEDAD-96C6-3549-B193-41A39D68A16F}"/>
+                  </a:ext>
+                </a:extLst>
+              </p:cNvPr>
+              <p:cNvSpPr txBox="1"/>
+              <p:nvPr/>
+            </p:nvSpPr>
+            <p:spPr>
+              <a:xfrm>
+                <a:off x="1398550" y="479369"/>
+                <a:ext cx="948914" cy="307777"/>
+              </a:xfrm>
+              <a:prstGeom prst="rect">
+                <a:avLst/>
+              </a:prstGeom>
+              <a:noFill/>
+            </p:spPr>
+            <p:txBody>
+              <a:bodyPr wrap="none" rtlCol="0">
+                <a:spAutoFit/>
+              </a:bodyPr>
+              <a:lstStyle/>
+              <a:p>
+                <a:r>
+                  <a:rPr lang="en-US" sz="1400" dirty="0"/>
+                  <a:t>Location </a:t>
+                </a:r>
+                <a14:m>
+                  <m:oMath xmlns:m="http://schemas.openxmlformats.org/officeDocument/2006/math">
+                    <m:r>
+                      <a:rPr lang="en-US" sz="1400" i="1" dirty="0" smtClean="0">
+                        <a:latin typeface="Cambria Math" panose="02040503050406030204" pitchFamily="18" charset="0"/>
+                      </a:rPr>
+                      <m:t>𝑎</m:t>
+                    </m:r>
+                  </m:oMath>
+                </a14:m>
+                <a:endParaRPr lang="en-US" sz="1400" dirty="0"/>
+              </a:p>
+            </p:txBody>
+          </p:sp>
+        </mc:Choice>
+        <mc:Fallback xmlns="">
+          <p:sp>
+            <p:nvSpPr>
+              <p:cNvPr id="14" name="TextBox 13">
+                <a:extLst>
+                  <a:ext uri="{FF2B5EF4-FFF2-40B4-BE49-F238E27FC236}">
+                    <a16:creationId xmlns:a16="http://schemas.microsoft.com/office/drawing/2014/main" id="{C50BEDAD-96C6-3549-B193-41A39D68A16F}"/>
+                  </a:ext>
+                </a:extLst>
+              </p:cNvPr>
+              <p:cNvSpPr txBox="1">
+                <a:spLocks noRot="1" noChangeAspect="1" noMove="1" noResize="1" noEditPoints="1" noAdjustHandles="1" noChangeArrowheads="1" noChangeShapeType="1" noTextEdit="1"/>
+              </p:cNvSpPr>
+              <p:nvPr/>
+            </p:nvSpPr>
+            <p:spPr>
+              <a:xfrm>
+                <a:off x="1398550" y="479369"/>
+                <a:ext cx="948914" cy="307777"/>
+              </a:xfrm>
+              <a:prstGeom prst="rect">
+                <a:avLst/>
+              </a:prstGeom>
+              <a:blipFill>
+                <a:blip r:embed="rId2"/>
+                <a:stretch>
+                  <a:fillRect l="-1316" t="-4000" b="-24000"/>
+                </a:stretch>
+              </a:blipFill>
+            </p:spPr>
+            <p:txBody>
+              <a:bodyPr/>
+              <a:lstStyle/>
+              <a:p>
+                <a:r>
+                  <a:rPr lang="en-US">
+                    <a:noFill/>
+                  </a:rPr>
+                  <a:t> </a:t>
+                </a:r>
+              </a:p>
+            </p:txBody>
+          </p:sp>
+        </mc:Fallback>
+      </mc:AlternateContent>
+      <p:sp>
+        <p:nvSpPr>
+          <p:cNvPr id="24" name="Rectangle 23">
+            <a:extLst>
+              <a:ext uri="{FF2B5EF4-FFF2-40B4-BE49-F238E27FC236}">
+                <a16:creationId xmlns:a16="http://schemas.microsoft.com/office/drawing/2014/main" id="{FCCEF764-5CEB-CA4C-974E-64134EDB67EC}"/>
+              </a:ext>
+            </a:extLst>
+          </p:cNvPr>
+          <p:cNvSpPr/>
+          <p:nvPr/>
+        </p:nvSpPr>
+        <p:spPr>
+          <a:xfrm>
+            <a:off x="7129010" y="1792166"/>
+            <a:ext cx="1317412" cy="1039928"/>
+          </a:xfrm>
+          <a:prstGeom prst="rect">
+            <a:avLst/>
+          </a:prstGeom>
+          <a:solidFill>
+            <a:schemeClr val="accent4">
+              <a:lumMod val="20000"/>
+              <a:lumOff val="80000"/>
+            </a:schemeClr>
+          </a:solidFill>
+          <a:ln w="19050">
+            <a:solidFill>
+              <a:schemeClr val="bg1">
+                <a:lumMod val="65000"/>
+              </a:schemeClr>
+            </a:solidFill>
+          </a:ln>
+          <a:effectLst>
+            <a:outerShdw blurRad="50800" dist="38100" dir="2700000" algn="tl" rotWithShape="0">
+              <a:prstClr val="black">
+                <a:alpha val="40000"/>
+              </a:prstClr>
+            </a:outerShdw>
+          </a:effectLst>
+        </p:spPr>
+        <p:style>
+          <a:lnRef idx="2">
+            <a:schemeClr val="accent1">
+              <a:shade val="50000"/>
+            </a:schemeClr>
+          </a:lnRef>
+          <a:fillRef idx="1">
+            <a:schemeClr val="accent1"/>
+          </a:fillRef>
+          <a:effectRef idx="0">
+            <a:schemeClr val="accent1"/>
+          </a:effectRef>
+          <a:fontRef idx="minor">
+            <a:schemeClr val="lt1"/>
+          </a:fontRef>
+        </p:style>
+        <p:txBody>
+          <a:bodyPr rtlCol="0" anchor="ctr"/>
+          <a:lstStyle/>
+          <a:p>
+            <a:pPr algn="ctr"/>
+            <a:endParaRPr lang="en-US" dirty="0">
+              <a:solidFill>
+                <a:schemeClr val="tx1"/>
+              </a:solidFill>
+            </a:endParaRPr>
+          </a:p>
+        </p:txBody>
+      </p:sp>
+      <p:sp>
+        <p:nvSpPr>
+          <p:cNvPr id="26" name="Can 25">
+            <a:extLst>
+              <a:ext uri="{FF2B5EF4-FFF2-40B4-BE49-F238E27FC236}">
+                <a16:creationId xmlns:a16="http://schemas.microsoft.com/office/drawing/2014/main" id="{9D4EA115-3AD7-0A47-80B2-F16176F9343D}"/>
+              </a:ext>
+            </a:extLst>
+          </p:cNvPr>
+          <p:cNvSpPr/>
+          <p:nvPr/>
+        </p:nvSpPr>
+        <p:spPr>
+          <a:xfrm>
+            <a:off x="7766329" y="2099943"/>
+            <a:ext cx="480790" cy="393030"/>
+          </a:xfrm>
+          <a:prstGeom prst="can">
+            <a:avLst/>
+          </a:prstGeom>
+          <a:solidFill>
+            <a:schemeClr val="accent4">
+              <a:lumMod val="40000"/>
+              <a:lumOff val="60000"/>
+            </a:schemeClr>
+          </a:solidFill>
+          <a:ln>
+            <a:solidFill>
+              <a:schemeClr val="bg2">
+                <a:lumMod val="25000"/>
+              </a:schemeClr>
+            </a:solidFill>
+          </a:ln>
+        </p:spPr>
+        <p:style>
+          <a:lnRef idx="2">
+            <a:schemeClr val="accent1">
+              <a:shade val="50000"/>
+            </a:schemeClr>
+          </a:lnRef>
+          <a:fillRef idx="1">
+            <a:schemeClr val="accent1"/>
+          </a:fillRef>
+          <a:effectRef idx="0">
+            <a:schemeClr val="accent1"/>
+          </a:effectRef>
+          <a:fontRef idx="minor">
+            <a:schemeClr val="lt1"/>
+          </a:fontRef>
+        </p:style>
+        <p:txBody>
+          <a:bodyPr rtlCol="0" anchor="ctr"/>
+          <a:lstStyle/>
+          <a:p>
+            <a:pPr algn="ctr"/>
+            <a:endParaRPr lang="en-US" sz="1000"/>
+          </a:p>
+        </p:txBody>
+      </p:sp>
+      <p:sp>
+        <p:nvSpPr>
+          <p:cNvPr id="40" name="Oval 39">
+            <a:extLst>
+              <a:ext uri="{FF2B5EF4-FFF2-40B4-BE49-F238E27FC236}">
+                <a16:creationId xmlns:a16="http://schemas.microsoft.com/office/drawing/2014/main" id="{8B741797-2657-3441-BD29-7A1BB7BF0888}"/>
+              </a:ext>
+            </a:extLst>
+          </p:cNvPr>
+          <p:cNvSpPr/>
+          <p:nvPr/>
+        </p:nvSpPr>
+        <p:spPr>
+          <a:xfrm>
+            <a:off x="2444371" y="1802584"/>
+            <a:ext cx="5648490" cy="2655657"/>
+          </a:xfrm>
+          <a:prstGeom prst="ellipse">
+            <a:avLst/>
+          </a:prstGeom>
+          <a:noFill/>
+          <a:ln w="25400">
+            <a:solidFill>
+              <a:schemeClr val="accent4">
+                <a:lumMod val="75000"/>
+              </a:schemeClr>
+            </a:solidFill>
+            <a:prstDash val="sysDash"/>
+          </a:ln>
+        </p:spPr>
+        <p:style>
+          <a:lnRef idx="2">
+            <a:schemeClr val="accent1">
+              <a:shade val="50000"/>
+            </a:schemeClr>
+          </a:lnRef>
+          <a:fillRef idx="1">
+            <a:schemeClr val="accent1"/>
+          </a:fillRef>
+          <a:effectRef idx="0">
+            <a:schemeClr val="accent1"/>
+          </a:effectRef>
+          <a:fontRef idx="minor">
+            <a:schemeClr val="lt1"/>
+          </a:fontRef>
+        </p:style>
+        <p:txBody>
+          <a:bodyPr rtlCol="0" anchor="ctr"/>
+          <a:lstStyle/>
+          <a:p>
+            <a:pPr algn="ctr"/>
+            <a:endParaRPr lang="en-US"/>
+          </a:p>
+        </p:txBody>
+      </p:sp>
+      <p:sp>
+        <p:nvSpPr>
+          <p:cNvPr id="37" name="Can 36">
+            <a:extLst>
+              <a:ext uri="{FF2B5EF4-FFF2-40B4-BE49-F238E27FC236}">
+                <a16:creationId xmlns:a16="http://schemas.microsoft.com/office/drawing/2014/main" id="{05212515-37FC-9F42-BA84-80C984DB599D}"/>
+              </a:ext>
+            </a:extLst>
+          </p:cNvPr>
+          <p:cNvSpPr/>
+          <p:nvPr/>
+        </p:nvSpPr>
+        <p:spPr>
+          <a:xfrm>
+            <a:off x="4110441" y="4204042"/>
+            <a:ext cx="328613" cy="366134"/>
+          </a:xfrm>
+          <a:prstGeom prst="can">
+            <a:avLst/>
+          </a:prstGeom>
+          <a:solidFill>
+            <a:schemeClr val="accent4">
+              <a:lumMod val="40000"/>
+              <a:lumOff val="60000"/>
+            </a:schemeClr>
+          </a:solidFill>
+          <a:ln>
+            <a:solidFill>
+              <a:schemeClr val="bg2">
+                <a:lumMod val="25000"/>
+              </a:schemeClr>
+            </a:solidFill>
+          </a:ln>
+        </p:spPr>
+        <p:style>
+          <a:lnRef idx="2">
+            <a:schemeClr val="accent1">
+              <a:shade val="50000"/>
+            </a:schemeClr>
+          </a:lnRef>
+          <a:fillRef idx="1">
+            <a:schemeClr val="accent1"/>
+          </a:fillRef>
+          <a:effectRef idx="0">
+            <a:schemeClr val="accent1"/>
+          </a:effectRef>
+          <a:fontRef idx="minor">
+            <a:schemeClr val="lt1"/>
+          </a:fontRef>
+        </p:style>
+        <p:txBody>
+          <a:bodyPr rtlCol="0" anchor="ctr"/>
+          <a:lstStyle/>
+          <a:p>
+            <a:pPr algn="ctr"/>
+            <a:endParaRPr lang="en-US" sz="1000"/>
+          </a:p>
+        </p:txBody>
+      </p:sp>
+      <p:sp>
+        <p:nvSpPr>
+          <p:cNvPr id="38" name="Can 37">
+            <a:extLst>
+              <a:ext uri="{FF2B5EF4-FFF2-40B4-BE49-F238E27FC236}">
+                <a16:creationId xmlns:a16="http://schemas.microsoft.com/office/drawing/2014/main" id="{BD031321-AE73-4A4D-8D35-02DBDC239C04}"/>
+              </a:ext>
+            </a:extLst>
+          </p:cNvPr>
+          <p:cNvSpPr/>
+          <p:nvPr/>
+        </p:nvSpPr>
+        <p:spPr>
+          <a:xfrm>
+            <a:off x="4364647" y="4176512"/>
+            <a:ext cx="245263" cy="290716"/>
+          </a:xfrm>
+          <a:prstGeom prst="can">
+            <a:avLst/>
+          </a:prstGeom>
+          <a:solidFill>
+            <a:schemeClr val="accent4">
+              <a:lumMod val="40000"/>
+              <a:lumOff val="60000"/>
+            </a:schemeClr>
+          </a:solidFill>
+          <a:ln>
+            <a:solidFill>
+              <a:schemeClr val="bg2">
+                <a:lumMod val="25000"/>
+              </a:schemeClr>
+            </a:solidFill>
+          </a:ln>
+        </p:spPr>
+        <p:style>
+          <a:lnRef idx="2">
+            <a:schemeClr val="accent1">
+              <a:shade val="50000"/>
+            </a:schemeClr>
+          </a:lnRef>
+          <a:fillRef idx="1">
+            <a:schemeClr val="accent1"/>
+          </a:fillRef>
+          <a:effectRef idx="0">
+            <a:schemeClr val="accent1"/>
+          </a:effectRef>
+          <a:fontRef idx="minor">
+            <a:schemeClr val="lt1"/>
+          </a:fontRef>
+        </p:style>
+        <p:txBody>
+          <a:bodyPr rtlCol="0" anchor="ctr"/>
+          <a:lstStyle/>
+          <a:p>
+            <a:pPr algn="ctr"/>
+            <a:endParaRPr lang="en-US" sz="1000"/>
+          </a:p>
+        </p:txBody>
+      </p:sp>
+      <p:sp>
+        <p:nvSpPr>
+          <p:cNvPr id="13" name="Can 12">
+            <a:extLst>
+              <a:ext uri="{FF2B5EF4-FFF2-40B4-BE49-F238E27FC236}">
+                <a16:creationId xmlns:a16="http://schemas.microsoft.com/office/drawing/2014/main" id="{2049E5A3-64E1-BE4D-AB80-80A49224A6A3}"/>
+              </a:ext>
+            </a:extLst>
+          </p:cNvPr>
+          <p:cNvSpPr/>
+          <p:nvPr/>
+        </p:nvSpPr>
+        <p:spPr>
+          <a:xfrm>
+            <a:off x="2776318" y="2060977"/>
+            <a:ext cx="364592" cy="328848"/>
+          </a:xfrm>
+          <a:prstGeom prst="can">
+            <a:avLst/>
+          </a:prstGeom>
+          <a:solidFill>
+            <a:schemeClr val="accent4">
+              <a:lumMod val="40000"/>
+              <a:lumOff val="60000"/>
+            </a:schemeClr>
+          </a:solidFill>
+          <a:ln>
+            <a:solidFill>
+              <a:schemeClr val="bg2">
+                <a:lumMod val="25000"/>
+              </a:schemeClr>
+            </a:solidFill>
+          </a:ln>
+        </p:spPr>
+        <p:style>
+          <a:lnRef idx="2">
+            <a:schemeClr val="accent1">
+              <a:shade val="50000"/>
+            </a:schemeClr>
+          </a:lnRef>
+          <a:fillRef idx="1">
+            <a:schemeClr val="accent1"/>
+          </a:fillRef>
+          <a:effectRef idx="0">
+            <a:schemeClr val="accent1"/>
+          </a:effectRef>
+          <a:fontRef idx="minor">
+            <a:schemeClr val="lt1"/>
+          </a:fontRef>
+        </p:style>
+        <p:txBody>
+          <a:bodyPr rtlCol="0" anchor="ctr"/>
+          <a:lstStyle/>
+          <a:p>
+            <a:pPr algn="ctr"/>
+            <a:endParaRPr lang="en-US" sz="1000"/>
+          </a:p>
+        </p:txBody>
+      </p:sp>
+      <p:sp>
+        <p:nvSpPr>
+          <p:cNvPr id="25" name="Can 24">
+            <a:extLst>
+              <a:ext uri="{FF2B5EF4-FFF2-40B4-BE49-F238E27FC236}">
+                <a16:creationId xmlns:a16="http://schemas.microsoft.com/office/drawing/2014/main" id="{F74FF841-F4B8-A94A-9643-706E2283FCB5}"/>
+              </a:ext>
+            </a:extLst>
+          </p:cNvPr>
+          <p:cNvSpPr/>
+          <p:nvPr/>
+        </p:nvSpPr>
+        <p:spPr>
+          <a:xfrm>
+            <a:off x="7502667" y="2158913"/>
+            <a:ext cx="480790" cy="393030"/>
+          </a:xfrm>
+          <a:prstGeom prst="can">
+            <a:avLst/>
+          </a:prstGeom>
+          <a:solidFill>
+            <a:schemeClr val="accent4">
+              <a:lumMod val="40000"/>
+              <a:lumOff val="60000"/>
+            </a:schemeClr>
+          </a:solidFill>
+          <a:ln>
+            <a:solidFill>
+              <a:schemeClr val="bg2">
+                <a:lumMod val="25000"/>
+              </a:schemeClr>
+            </a:solidFill>
+          </a:ln>
+        </p:spPr>
+        <p:style>
+          <a:lnRef idx="2">
+            <a:schemeClr val="accent1">
+              <a:shade val="50000"/>
+            </a:schemeClr>
+          </a:lnRef>
+          <a:fillRef idx="1">
+            <a:schemeClr val="accent1"/>
+          </a:fillRef>
+          <a:effectRef idx="0">
+            <a:schemeClr val="accent1"/>
+          </a:effectRef>
+          <a:fontRef idx="minor">
+            <a:schemeClr val="lt1"/>
+          </a:fontRef>
+        </p:style>
+        <p:txBody>
+          <a:bodyPr rtlCol="0" anchor="ctr"/>
+          <a:lstStyle/>
+          <a:p>
+            <a:pPr algn="ctr"/>
+            <a:endParaRPr lang="en-US" sz="1000"/>
+          </a:p>
+        </p:txBody>
+      </p:sp>
+      <p:sp>
+        <p:nvSpPr>
+          <p:cNvPr id="29" name="Can 28">
+            <a:extLst>
+              <a:ext uri="{FF2B5EF4-FFF2-40B4-BE49-F238E27FC236}">
+                <a16:creationId xmlns:a16="http://schemas.microsoft.com/office/drawing/2014/main" id="{95947D58-AC1D-2748-9624-C20C118C4C7C}"/>
+              </a:ext>
+            </a:extLst>
+          </p:cNvPr>
+          <p:cNvSpPr/>
+          <p:nvPr/>
+        </p:nvSpPr>
+        <p:spPr>
+          <a:xfrm>
+            <a:off x="5527454" y="1613434"/>
+            <a:ext cx="364592" cy="328848"/>
+          </a:xfrm>
+          <a:prstGeom prst="can">
+            <a:avLst>
+              <a:gd name="adj" fmla="val 28391"/>
+            </a:avLst>
+          </a:prstGeom>
+          <a:solidFill>
+            <a:schemeClr val="accent4">
+              <a:lumMod val="40000"/>
+              <a:lumOff val="60000"/>
+            </a:schemeClr>
+          </a:solidFill>
+          <a:ln>
+            <a:solidFill>
+              <a:schemeClr val="bg2">
+                <a:lumMod val="25000"/>
+              </a:schemeClr>
+            </a:solidFill>
+          </a:ln>
+        </p:spPr>
+        <p:style>
+          <a:lnRef idx="2">
+            <a:schemeClr val="accent1">
+              <a:shade val="50000"/>
+            </a:schemeClr>
+          </a:lnRef>
+          <a:fillRef idx="1">
+            <a:schemeClr val="accent1"/>
+          </a:fillRef>
+          <a:effectRef idx="0">
+            <a:schemeClr val="accent1"/>
+          </a:effectRef>
+          <a:fontRef idx="minor">
+            <a:schemeClr val="lt1"/>
+          </a:fontRef>
+        </p:style>
+        <p:txBody>
+          <a:bodyPr rtlCol="0" anchor="ctr"/>
+          <a:lstStyle/>
+          <a:p>
+            <a:pPr algn="ctr"/>
+            <a:endParaRPr lang="en-US" sz="1000"/>
+          </a:p>
+        </p:txBody>
+      </p:sp>
+      <p:sp>
+        <p:nvSpPr>
+          <p:cNvPr id="19" name="Can 18">
+            <a:extLst>
+              <a:ext uri="{FF2B5EF4-FFF2-40B4-BE49-F238E27FC236}">
+                <a16:creationId xmlns:a16="http://schemas.microsoft.com/office/drawing/2014/main" id="{A13C1721-CE09-164A-98F8-F8DEA6CB2101}"/>
+              </a:ext>
+            </a:extLst>
+          </p:cNvPr>
+          <p:cNvSpPr/>
+          <p:nvPr/>
+        </p:nvSpPr>
+        <p:spPr>
+          <a:xfrm>
+            <a:off x="4890407" y="1649626"/>
+            <a:ext cx="238742" cy="269878"/>
+          </a:xfrm>
+          <a:prstGeom prst="can">
+            <a:avLst/>
+          </a:prstGeom>
+          <a:solidFill>
+            <a:schemeClr val="accent4">
+              <a:lumMod val="40000"/>
+              <a:lumOff val="60000"/>
+            </a:schemeClr>
+          </a:solidFill>
+          <a:ln>
+            <a:solidFill>
+              <a:schemeClr val="bg2">
+                <a:lumMod val="25000"/>
+              </a:schemeClr>
+            </a:solidFill>
+          </a:ln>
+        </p:spPr>
+        <p:style>
+          <a:lnRef idx="2">
+            <a:schemeClr val="accent1">
+              <a:shade val="50000"/>
+            </a:schemeClr>
+          </a:lnRef>
+          <a:fillRef idx="1">
+            <a:schemeClr val="accent1"/>
+          </a:fillRef>
+          <a:effectRef idx="0">
+            <a:schemeClr val="accent1"/>
+          </a:effectRef>
+          <a:fontRef idx="minor">
+            <a:schemeClr val="lt1"/>
+          </a:fontRef>
+        </p:style>
+        <p:txBody>
+          <a:bodyPr rtlCol="0" anchor="ctr"/>
+          <a:lstStyle/>
+          <a:p>
+            <a:pPr algn="ctr"/>
+            <a:endParaRPr lang="en-US" sz="1000"/>
+          </a:p>
+        </p:txBody>
+      </p:sp>
+      <p:sp>
+        <p:nvSpPr>
+          <p:cNvPr id="20" name="Can 19">
+            <a:extLst>
+              <a:ext uri="{FF2B5EF4-FFF2-40B4-BE49-F238E27FC236}">
+                <a16:creationId xmlns:a16="http://schemas.microsoft.com/office/drawing/2014/main" id="{FE517CA3-6612-DC43-9514-901E4C9DB9C5}"/>
+              </a:ext>
+            </a:extLst>
+          </p:cNvPr>
+          <p:cNvSpPr/>
+          <p:nvPr/>
+        </p:nvSpPr>
+        <p:spPr>
+          <a:xfrm>
+            <a:off x="5052867" y="1557432"/>
+            <a:ext cx="364592" cy="328848"/>
+          </a:xfrm>
+          <a:prstGeom prst="can">
+            <a:avLst/>
+          </a:prstGeom>
+          <a:solidFill>
+            <a:schemeClr val="accent4">
+              <a:lumMod val="40000"/>
+              <a:lumOff val="60000"/>
+            </a:schemeClr>
+          </a:solidFill>
+          <a:ln>
+            <a:solidFill>
+              <a:schemeClr val="bg2">
+                <a:lumMod val="25000"/>
+              </a:schemeClr>
+            </a:solidFill>
+          </a:ln>
+        </p:spPr>
+        <p:style>
+          <a:lnRef idx="2">
+            <a:schemeClr val="accent1">
+              <a:shade val="50000"/>
+            </a:schemeClr>
+          </a:lnRef>
+          <a:fillRef idx="1">
+            <a:schemeClr val="accent1"/>
+          </a:fillRef>
+          <a:effectRef idx="0">
+            <a:schemeClr val="accent1"/>
+          </a:effectRef>
+          <a:fontRef idx="minor">
+            <a:schemeClr val="lt1"/>
+          </a:fontRef>
+        </p:style>
+        <p:txBody>
+          <a:bodyPr rtlCol="0" anchor="ctr"/>
+          <a:lstStyle/>
+          <a:p>
+            <a:pPr algn="ctr"/>
+            <a:endParaRPr lang="en-US" sz="1000"/>
+          </a:p>
+        </p:txBody>
+      </p:sp>
+      <p:sp>
+        <p:nvSpPr>
+          <p:cNvPr id="21" name="Can 20">
+            <a:extLst>
+              <a:ext uri="{FF2B5EF4-FFF2-40B4-BE49-F238E27FC236}">
+                <a16:creationId xmlns:a16="http://schemas.microsoft.com/office/drawing/2014/main" id="{648BE146-C487-FB4A-87B1-0E55358A450A}"/>
+              </a:ext>
+            </a:extLst>
+          </p:cNvPr>
+          <p:cNvSpPr/>
+          <p:nvPr/>
+        </p:nvSpPr>
+        <p:spPr>
+          <a:xfrm>
+            <a:off x="5268616" y="1684547"/>
+            <a:ext cx="364592" cy="328848"/>
+          </a:xfrm>
+          <a:prstGeom prst="can">
+            <a:avLst/>
+          </a:prstGeom>
+          <a:solidFill>
+            <a:schemeClr val="accent4">
+              <a:lumMod val="40000"/>
+              <a:lumOff val="60000"/>
+            </a:schemeClr>
+          </a:solidFill>
+          <a:ln>
+            <a:solidFill>
+              <a:schemeClr val="bg2">
+                <a:lumMod val="25000"/>
+              </a:schemeClr>
+            </a:solidFill>
+          </a:ln>
+        </p:spPr>
+        <p:style>
+          <a:lnRef idx="2">
+            <a:schemeClr val="accent1">
+              <a:shade val="50000"/>
+            </a:schemeClr>
+          </a:lnRef>
+          <a:fillRef idx="1">
+            <a:schemeClr val="accent1"/>
+          </a:fillRef>
+          <a:effectRef idx="0">
+            <a:schemeClr val="accent1"/>
+          </a:effectRef>
+          <a:fontRef idx="minor">
+            <a:schemeClr val="lt1"/>
+          </a:fontRef>
+        </p:style>
+        <p:txBody>
+          <a:bodyPr rtlCol="0" anchor="ctr"/>
+          <a:lstStyle/>
+          <a:p>
+            <a:pPr algn="ctr"/>
+            <a:endParaRPr lang="en-US" sz="1000"/>
+          </a:p>
+        </p:txBody>
+      </p:sp>
+      <p:sp>
+        <p:nvSpPr>
+          <p:cNvPr id="44" name="Can 43">
+            <a:extLst>
+              <a:ext uri="{FF2B5EF4-FFF2-40B4-BE49-F238E27FC236}">
+                <a16:creationId xmlns:a16="http://schemas.microsoft.com/office/drawing/2014/main" id="{04838897-CF42-0D4C-8972-371F50186C9D}"/>
+              </a:ext>
+            </a:extLst>
+          </p:cNvPr>
+          <p:cNvSpPr/>
+          <p:nvPr/>
+        </p:nvSpPr>
+        <p:spPr>
+          <a:xfrm>
+            <a:off x="9969804" y="236793"/>
+            <a:ext cx="364592" cy="328848"/>
+          </a:xfrm>
+          <a:prstGeom prst="can">
+            <a:avLst/>
+          </a:prstGeom>
+          <a:solidFill>
+            <a:schemeClr val="accent4">
+              <a:lumMod val="40000"/>
+              <a:lumOff val="60000"/>
+            </a:schemeClr>
+          </a:solidFill>
+          <a:ln>
+            <a:solidFill>
+              <a:schemeClr val="bg2">
+                <a:lumMod val="25000"/>
+              </a:schemeClr>
+            </a:solidFill>
+          </a:ln>
+        </p:spPr>
+        <p:style>
+          <a:lnRef idx="2">
+            <a:schemeClr val="accent1">
+              <a:shade val="50000"/>
+            </a:schemeClr>
+          </a:lnRef>
+          <a:fillRef idx="1">
+            <a:schemeClr val="accent1"/>
+          </a:fillRef>
+          <a:effectRef idx="0">
+            <a:schemeClr val="accent1"/>
+          </a:effectRef>
+          <a:fontRef idx="minor">
+            <a:schemeClr val="lt1"/>
+          </a:fontRef>
+        </p:style>
+        <p:txBody>
+          <a:bodyPr rtlCol="0" anchor="ctr"/>
+          <a:lstStyle/>
+          <a:p>
+            <a:pPr algn="ctr"/>
+            <a:endParaRPr lang="en-US" sz="700"/>
+          </a:p>
+        </p:txBody>
+      </p:sp>
+      <p:sp>
+        <p:nvSpPr>
+          <p:cNvPr id="45" name="TextBox 44">
+            <a:extLst>
+              <a:ext uri="{FF2B5EF4-FFF2-40B4-BE49-F238E27FC236}">
+                <a16:creationId xmlns:a16="http://schemas.microsoft.com/office/drawing/2014/main" id="{F10E0F18-4361-194B-85DF-74F7CF22EC5B}"/>
+              </a:ext>
+            </a:extLst>
+          </p:cNvPr>
+          <p:cNvSpPr txBox="1"/>
+          <p:nvPr/>
+        </p:nvSpPr>
+        <p:spPr>
+          <a:xfrm>
+            <a:off x="10464799" y="225733"/>
+            <a:ext cx="1727202" cy="553998"/>
+          </a:xfrm>
+          <a:prstGeom prst="rect">
+            <a:avLst/>
+          </a:prstGeom>
+          <a:noFill/>
+        </p:spPr>
+        <p:txBody>
+          <a:bodyPr wrap="square" rtlCol="0">
+            <a:spAutoFit/>
+          </a:bodyPr>
+          <a:lstStyle/>
+          <a:p>
+            <a:r>
+              <a:rPr lang="en-US" sz="1200" dirty="0"/>
+              <a:t>Storage Unit</a:t>
+            </a:r>
+          </a:p>
+          <a:p>
+            <a:r>
+              <a:rPr lang="en-US" sz="900" dirty="0"/>
+              <a:t>(private to storage instance, </a:t>
+            </a:r>
+            <a:r>
+              <a:rPr lang="en-US" sz="900" b="1" u="sng" dirty="0"/>
+              <a:t>not</a:t>
+            </a:r>
+            <a:r>
+              <a:rPr lang="en-US" sz="900" dirty="0"/>
+              <a:t> exposed to end user)</a:t>
+            </a:r>
+          </a:p>
+        </p:txBody>
+      </p:sp>
+      <p:sp>
+        <p:nvSpPr>
+          <p:cNvPr id="46" name="Oval 45">
+            <a:extLst>
+              <a:ext uri="{FF2B5EF4-FFF2-40B4-BE49-F238E27FC236}">
+                <a16:creationId xmlns:a16="http://schemas.microsoft.com/office/drawing/2014/main" id="{F7C487CC-4FEA-BF47-8EE8-2A957EBB7472}"/>
+              </a:ext>
+            </a:extLst>
+          </p:cNvPr>
+          <p:cNvSpPr/>
+          <p:nvPr/>
+        </p:nvSpPr>
+        <p:spPr>
+          <a:xfrm>
+            <a:off x="9969804" y="1554915"/>
+            <a:ext cx="494994" cy="363940"/>
+          </a:xfrm>
+          <a:prstGeom prst="ellipse">
+            <a:avLst/>
+          </a:prstGeom>
+          <a:noFill/>
+          <a:ln w="19050">
+            <a:solidFill>
+              <a:schemeClr val="accent4">
+                <a:lumMod val="75000"/>
+              </a:schemeClr>
+            </a:solidFill>
+            <a:prstDash val="sysDash"/>
+          </a:ln>
+        </p:spPr>
+        <p:style>
+          <a:lnRef idx="2">
+            <a:schemeClr val="accent1">
+              <a:shade val="50000"/>
+            </a:schemeClr>
+          </a:lnRef>
+          <a:fillRef idx="1">
+            <a:schemeClr val="accent1"/>
+          </a:fillRef>
+          <a:effectRef idx="0">
+            <a:schemeClr val="accent1"/>
+          </a:effectRef>
+          <a:fontRef idx="minor">
+            <a:schemeClr val="lt1"/>
+          </a:fontRef>
+        </p:style>
+        <p:txBody>
+          <a:bodyPr rtlCol="0" anchor="ctr"/>
+          <a:lstStyle/>
+          <a:p>
+            <a:pPr algn="ctr"/>
+            <a:endParaRPr lang="en-US" sz="1200"/>
+          </a:p>
+        </p:txBody>
+      </p:sp>
+      <p:sp>
+        <p:nvSpPr>
+          <p:cNvPr id="47" name="TextBox 46">
+            <a:extLst>
+              <a:ext uri="{FF2B5EF4-FFF2-40B4-BE49-F238E27FC236}">
+                <a16:creationId xmlns:a16="http://schemas.microsoft.com/office/drawing/2014/main" id="{8D787879-BA54-0A4A-8B8C-A0450B3308A2}"/>
+              </a:ext>
+            </a:extLst>
+          </p:cNvPr>
+          <p:cNvSpPr txBox="1"/>
+          <p:nvPr/>
+        </p:nvSpPr>
+        <p:spPr>
+          <a:xfrm>
+            <a:off x="10529999" y="1598385"/>
+            <a:ext cx="1509837" cy="276999"/>
+          </a:xfrm>
+          <a:prstGeom prst="rect">
+            <a:avLst/>
+          </a:prstGeom>
+          <a:noFill/>
+        </p:spPr>
+        <p:txBody>
+          <a:bodyPr wrap="none" rtlCol="0">
+            <a:spAutoFit/>
+          </a:bodyPr>
+          <a:lstStyle/>
+          <a:p>
+            <a:r>
+              <a:rPr lang="en-US" sz="1200" dirty="0"/>
+              <a:t>Data ring (regionless)</a:t>
+            </a:r>
+          </a:p>
+        </p:txBody>
+      </p:sp>
+      <p:sp>
+        <p:nvSpPr>
+          <p:cNvPr id="48" name="Rectangle 47">
+            <a:extLst>
+              <a:ext uri="{FF2B5EF4-FFF2-40B4-BE49-F238E27FC236}">
+                <a16:creationId xmlns:a16="http://schemas.microsoft.com/office/drawing/2014/main" id="{FE64F7C6-D66B-4241-B9A4-EA283608836D}"/>
+              </a:ext>
+            </a:extLst>
+          </p:cNvPr>
+          <p:cNvSpPr/>
+          <p:nvPr/>
+        </p:nvSpPr>
+        <p:spPr>
+          <a:xfrm>
+            <a:off x="6268508" y="4541423"/>
+            <a:ext cx="1639230" cy="1352163"/>
+          </a:xfrm>
+          <a:prstGeom prst="rect">
+            <a:avLst/>
+          </a:prstGeom>
+          <a:solidFill>
+            <a:schemeClr val="bg1">
+              <a:lumMod val="85000"/>
+            </a:schemeClr>
+          </a:solidFill>
+          <a:ln w="19050">
+            <a:solidFill>
+              <a:schemeClr val="bg1">
+                <a:lumMod val="65000"/>
+              </a:schemeClr>
+            </a:solidFill>
+          </a:ln>
+          <a:effectLst>
+            <a:outerShdw blurRad="50800" dist="38100" dir="2700000" algn="tl" rotWithShape="0">
+              <a:prstClr val="black">
+                <a:alpha val="40000"/>
+              </a:prstClr>
+            </a:outerShdw>
+          </a:effectLst>
+        </p:spPr>
+        <p:style>
+          <a:lnRef idx="2">
+            <a:schemeClr val="accent1">
+              <a:shade val="50000"/>
+            </a:schemeClr>
+          </a:lnRef>
+          <a:fillRef idx="1">
+            <a:schemeClr val="accent1"/>
+          </a:fillRef>
+          <a:effectRef idx="0">
+            <a:schemeClr val="accent1"/>
+          </a:effectRef>
+          <a:fontRef idx="minor">
+            <a:schemeClr val="lt1"/>
+          </a:fontRef>
+        </p:style>
+        <p:txBody>
+          <a:bodyPr rtlCol="0" anchor="ctr"/>
+          <a:lstStyle/>
+          <a:p>
+            <a:pPr algn="ctr"/>
+            <a:endParaRPr lang="en-US" dirty="0">
+              <a:solidFill>
+                <a:schemeClr val="tx1"/>
+              </a:solidFill>
+            </a:endParaRPr>
+          </a:p>
+        </p:txBody>
+      </p:sp>
+      <p:sp>
+        <p:nvSpPr>
+          <p:cNvPr id="49" name="TextBox 48">
+            <a:extLst>
+              <a:ext uri="{FF2B5EF4-FFF2-40B4-BE49-F238E27FC236}">
+                <a16:creationId xmlns:a16="http://schemas.microsoft.com/office/drawing/2014/main" id="{563390B2-27AC-FA48-962D-7457DC462E5E}"/>
+              </a:ext>
+            </a:extLst>
+          </p:cNvPr>
+          <p:cNvSpPr txBox="1"/>
+          <p:nvPr/>
+        </p:nvSpPr>
+        <p:spPr>
+          <a:xfrm>
+            <a:off x="7216666" y="5893586"/>
+            <a:ext cx="816314" cy="307777"/>
+          </a:xfrm>
+          <a:prstGeom prst="rect">
+            <a:avLst/>
+          </a:prstGeom>
+          <a:noFill/>
+        </p:spPr>
+        <p:txBody>
+          <a:bodyPr wrap="none" rtlCol="0">
+            <a:spAutoFit/>
+          </a:bodyPr>
+          <a:lstStyle/>
+          <a:p>
+            <a:r>
+              <a:rPr lang="en-US" sz="1400" dirty="0"/>
+              <a:t>Region 3</a:t>
+            </a:r>
+          </a:p>
+        </p:txBody>
+      </p:sp>
+      <p:sp>
+        <p:nvSpPr>
+          <p:cNvPr id="52" name="Rectangle 51">
+            <a:extLst>
+              <a:ext uri="{FF2B5EF4-FFF2-40B4-BE49-F238E27FC236}">
+                <a16:creationId xmlns:a16="http://schemas.microsoft.com/office/drawing/2014/main" id="{A6140D41-0436-5840-A3B3-908B80241C6E}"/>
+              </a:ext>
+            </a:extLst>
+          </p:cNvPr>
+          <p:cNvSpPr/>
+          <p:nvPr/>
+        </p:nvSpPr>
+        <p:spPr>
+          <a:xfrm>
+            <a:off x="8974536" y="4240340"/>
+            <a:ext cx="1639230" cy="1352163"/>
+          </a:xfrm>
+          <a:prstGeom prst="rect">
+            <a:avLst/>
+          </a:prstGeom>
+          <a:solidFill>
+            <a:schemeClr val="bg1">
+              <a:lumMod val="85000"/>
+            </a:schemeClr>
+          </a:solidFill>
+          <a:ln w="19050">
+            <a:solidFill>
+              <a:schemeClr val="bg1">
+                <a:lumMod val="65000"/>
+              </a:schemeClr>
+            </a:solidFill>
+          </a:ln>
+          <a:effectLst>
+            <a:outerShdw blurRad="50800" dist="38100" dir="2700000" algn="tl" rotWithShape="0">
+              <a:prstClr val="black">
+                <a:alpha val="40000"/>
+              </a:prstClr>
+            </a:outerShdw>
+          </a:effectLst>
+        </p:spPr>
+        <p:style>
+          <a:lnRef idx="2">
+            <a:schemeClr val="accent1">
+              <a:shade val="50000"/>
+            </a:schemeClr>
+          </a:lnRef>
+          <a:fillRef idx="1">
+            <a:schemeClr val="accent1"/>
+          </a:fillRef>
+          <a:effectRef idx="0">
+            <a:schemeClr val="accent1"/>
+          </a:effectRef>
+          <a:fontRef idx="minor">
+            <a:schemeClr val="lt1"/>
+          </a:fontRef>
+        </p:style>
+        <p:txBody>
+          <a:bodyPr rtlCol="0" anchor="ctr"/>
+          <a:lstStyle/>
+          <a:p>
+            <a:pPr algn="ctr"/>
+            <a:endParaRPr lang="en-US" dirty="0">
+              <a:solidFill>
+                <a:schemeClr val="tx1"/>
+              </a:solidFill>
+            </a:endParaRPr>
+          </a:p>
+        </p:txBody>
+      </p:sp>
+      <mc:AlternateContent xmlns:mc="http://schemas.openxmlformats.org/markup-compatibility/2006" xmlns:a14="http://schemas.microsoft.com/office/drawing/2010/main">
+        <mc:Choice Requires="a14">
+          <p:sp>
+            <p:nvSpPr>
+              <p:cNvPr id="53" name="TextBox 52">
+                <a:extLst>
+                  <a:ext uri="{FF2B5EF4-FFF2-40B4-BE49-F238E27FC236}">
+                    <a16:creationId xmlns:a16="http://schemas.microsoft.com/office/drawing/2014/main" id="{AA171FEF-23DA-BF42-A7F0-6363D1AC45C9}"/>
+                  </a:ext>
+                </a:extLst>
+              </p:cNvPr>
+              <p:cNvSpPr txBox="1"/>
+              <p:nvPr/>
+            </p:nvSpPr>
+            <p:spPr>
+              <a:xfrm>
+                <a:off x="9977454" y="5652967"/>
+                <a:ext cx="826573" cy="307777"/>
+              </a:xfrm>
+              <a:prstGeom prst="rect">
+                <a:avLst/>
+              </a:prstGeom>
+              <a:noFill/>
+            </p:spPr>
+            <p:txBody>
+              <a:bodyPr wrap="none" rtlCol="0">
+                <a:spAutoFit/>
+              </a:bodyPr>
+              <a:lstStyle/>
+              <a:p>
+                <a:r>
+                  <a:rPr lang="en-US" sz="1400" dirty="0"/>
+                  <a:t>Region </a:t>
+                </a:r>
+                <a14:m>
+                  <m:oMath xmlns:m="http://schemas.openxmlformats.org/officeDocument/2006/math">
+                    <m:r>
+                      <a:rPr lang="en-US" sz="1400" i="1" dirty="0" smtClean="0">
+                        <a:latin typeface="Cambria Math" panose="02040503050406030204" pitchFamily="18" charset="0"/>
+                      </a:rPr>
+                      <m:t>𝑥</m:t>
+                    </m:r>
+                  </m:oMath>
+                </a14:m>
+                <a:endParaRPr lang="en-US" sz="1400" dirty="0"/>
+              </a:p>
+            </p:txBody>
+          </p:sp>
+        </mc:Choice>
+        <mc:Fallback xmlns="">
+          <p:sp>
+            <p:nvSpPr>
+              <p:cNvPr id="53" name="TextBox 52">
+                <a:extLst>
+                  <a:ext uri="{FF2B5EF4-FFF2-40B4-BE49-F238E27FC236}">
+                    <a16:creationId xmlns:a16="http://schemas.microsoft.com/office/drawing/2014/main" id="{AA171FEF-23DA-BF42-A7F0-6363D1AC45C9}"/>
+                  </a:ext>
+                </a:extLst>
+              </p:cNvPr>
+              <p:cNvSpPr txBox="1">
+                <a:spLocks noRot="1" noChangeAspect="1" noMove="1" noResize="1" noEditPoints="1" noAdjustHandles="1" noChangeArrowheads="1" noChangeShapeType="1" noTextEdit="1"/>
+              </p:cNvSpPr>
+              <p:nvPr/>
+            </p:nvSpPr>
+            <p:spPr>
+              <a:xfrm>
+                <a:off x="9977454" y="5652967"/>
+                <a:ext cx="826573" cy="307777"/>
+              </a:xfrm>
+              <a:prstGeom prst="rect">
+                <a:avLst/>
+              </a:prstGeom>
+              <a:blipFill>
+                <a:blip r:embed="rId3"/>
+                <a:stretch>
+                  <a:fillRect l="-1515" b="-19231"/>
+                </a:stretch>
+              </a:blipFill>
+            </p:spPr>
+            <p:txBody>
+              <a:bodyPr/>
+              <a:lstStyle/>
+              <a:p>
+                <a:r>
+                  <a:rPr lang="en-US">
+                    <a:noFill/>
+                  </a:rPr>
+                  <a:t> </a:t>
+                </a:r>
+              </a:p>
+            </p:txBody>
+          </p:sp>
+        </mc:Fallback>
+      </mc:AlternateContent>
+      <p:sp>
+        <p:nvSpPr>
+          <p:cNvPr id="54" name="Rectangle 53">
+            <a:extLst>
+              <a:ext uri="{FF2B5EF4-FFF2-40B4-BE49-F238E27FC236}">
+                <a16:creationId xmlns:a16="http://schemas.microsoft.com/office/drawing/2014/main" id="{71CA6160-DFD3-7044-9EA5-577DE9E56F01}"/>
+              </a:ext>
+            </a:extLst>
+          </p:cNvPr>
+          <p:cNvSpPr/>
+          <p:nvPr/>
+        </p:nvSpPr>
+        <p:spPr>
+          <a:xfrm>
+            <a:off x="9969804" y="879370"/>
+            <a:ext cx="364592" cy="342378"/>
+          </a:xfrm>
+          <a:prstGeom prst="rect">
+            <a:avLst/>
+          </a:prstGeom>
+          <a:solidFill>
+            <a:schemeClr val="accent4">
+              <a:lumMod val="20000"/>
+              <a:lumOff val="80000"/>
+            </a:schemeClr>
+          </a:solidFill>
+          <a:ln w="19050">
+            <a:solidFill>
+              <a:schemeClr val="bg1">
+                <a:lumMod val="65000"/>
+              </a:schemeClr>
+            </a:solidFill>
+          </a:ln>
+          <a:effectLst>
+            <a:outerShdw blurRad="50800" dist="38100" dir="2700000" algn="tl" rotWithShape="0">
+              <a:prstClr val="black">
+                <a:alpha val="40000"/>
+              </a:prstClr>
+            </a:outerShdw>
+          </a:effectLst>
+        </p:spPr>
+        <p:style>
+          <a:lnRef idx="2">
+            <a:schemeClr val="accent1">
+              <a:shade val="50000"/>
+            </a:schemeClr>
+          </a:lnRef>
+          <a:fillRef idx="1">
+            <a:schemeClr val="accent1"/>
+          </a:fillRef>
+          <a:effectRef idx="0">
+            <a:schemeClr val="accent1"/>
+          </a:effectRef>
+          <a:fontRef idx="minor">
+            <a:schemeClr val="lt1"/>
+          </a:fontRef>
+        </p:style>
+        <p:txBody>
+          <a:bodyPr rtlCol="0" anchor="ctr"/>
+          <a:lstStyle/>
+          <a:p>
+            <a:pPr algn="ctr"/>
+            <a:endParaRPr lang="en-US" dirty="0">
+              <a:solidFill>
+                <a:schemeClr val="tx1"/>
+              </a:solidFill>
+            </a:endParaRPr>
+          </a:p>
+        </p:txBody>
+      </p:sp>
+      <p:sp>
+        <p:nvSpPr>
+          <p:cNvPr id="55" name="TextBox 54">
+            <a:extLst>
+              <a:ext uri="{FF2B5EF4-FFF2-40B4-BE49-F238E27FC236}">
+                <a16:creationId xmlns:a16="http://schemas.microsoft.com/office/drawing/2014/main" id="{5D23D369-C6B6-3E44-AA74-3D24B65610B6}"/>
+              </a:ext>
+            </a:extLst>
+          </p:cNvPr>
+          <p:cNvSpPr txBox="1"/>
+          <p:nvPr/>
+        </p:nvSpPr>
+        <p:spPr>
+          <a:xfrm>
+            <a:off x="10464798" y="912059"/>
+            <a:ext cx="1217128" cy="276999"/>
+          </a:xfrm>
+          <a:prstGeom prst="rect">
+            <a:avLst/>
+          </a:prstGeom>
+          <a:noFill/>
+        </p:spPr>
+        <p:txBody>
+          <a:bodyPr wrap="none" rtlCol="0">
+            <a:spAutoFit/>
+          </a:bodyPr>
+          <a:lstStyle/>
+          <a:p>
+            <a:r>
+              <a:rPr lang="en-US" sz="1200" dirty="0"/>
+              <a:t>Storage Instance</a:t>
+            </a:r>
+          </a:p>
+        </p:txBody>
+      </p:sp>
+      <p:sp>
+        <p:nvSpPr>
+          <p:cNvPr id="56" name="Rectangle 55">
+            <a:extLst>
+              <a:ext uri="{FF2B5EF4-FFF2-40B4-BE49-F238E27FC236}">
+                <a16:creationId xmlns:a16="http://schemas.microsoft.com/office/drawing/2014/main" id="{A666D02A-78F4-9141-85F0-41942BBE4495}"/>
+              </a:ext>
+            </a:extLst>
+          </p:cNvPr>
+          <p:cNvSpPr/>
+          <p:nvPr/>
+        </p:nvSpPr>
+        <p:spPr>
+          <a:xfrm>
+            <a:off x="1089723" y="4424706"/>
+            <a:ext cx="582452" cy="354017"/>
+          </a:xfrm>
+          <a:prstGeom prst="rect">
+            <a:avLst/>
+          </a:prstGeom>
+          <a:solidFill>
+            <a:schemeClr val="accent4">
+              <a:lumMod val="20000"/>
+              <a:lumOff val="80000"/>
+            </a:schemeClr>
+          </a:solidFill>
+          <a:ln w="19050">
+            <a:solidFill>
+              <a:schemeClr val="bg1">
+                <a:lumMod val="65000"/>
+              </a:schemeClr>
+            </a:solidFill>
+          </a:ln>
+          <a:effectLst>
+            <a:outerShdw blurRad="50800" dist="38100" dir="2700000" algn="tl" rotWithShape="0">
+              <a:prstClr val="black">
+                <a:alpha val="40000"/>
+              </a:prstClr>
+            </a:outerShdw>
+          </a:effectLst>
+        </p:spPr>
+        <p:style>
+          <a:lnRef idx="2">
+            <a:schemeClr val="accent1">
+              <a:shade val="50000"/>
+            </a:schemeClr>
+          </a:lnRef>
+          <a:fillRef idx="1">
+            <a:schemeClr val="accent1"/>
+          </a:fillRef>
+          <a:effectRef idx="0">
+            <a:schemeClr val="accent1"/>
+          </a:effectRef>
+          <a:fontRef idx="minor">
+            <a:schemeClr val="lt1"/>
+          </a:fontRef>
+        </p:style>
+        <p:txBody>
+          <a:bodyPr rtlCol="0" anchor="ctr"/>
+          <a:lstStyle/>
+          <a:p>
+            <a:pPr algn="ctr"/>
+            <a:endParaRPr lang="en-US" dirty="0">
+              <a:solidFill>
+                <a:schemeClr val="tx1"/>
+              </a:solidFill>
+            </a:endParaRPr>
+          </a:p>
+        </p:txBody>
+      </p:sp>
+      <p:sp>
+        <p:nvSpPr>
+          <p:cNvPr id="57" name="Rectangle 56">
+            <a:extLst>
+              <a:ext uri="{FF2B5EF4-FFF2-40B4-BE49-F238E27FC236}">
+                <a16:creationId xmlns:a16="http://schemas.microsoft.com/office/drawing/2014/main" id="{3E34080B-1F82-DC42-BD5E-9E0755B6060C}"/>
+              </a:ext>
+            </a:extLst>
+          </p:cNvPr>
+          <p:cNvSpPr/>
+          <p:nvPr/>
+        </p:nvSpPr>
+        <p:spPr>
+          <a:xfrm>
+            <a:off x="6525171" y="4705086"/>
+            <a:ext cx="582452" cy="354017"/>
+          </a:xfrm>
+          <a:prstGeom prst="rect">
+            <a:avLst/>
+          </a:prstGeom>
+          <a:solidFill>
+            <a:schemeClr val="accent4">
+              <a:lumMod val="20000"/>
+              <a:lumOff val="80000"/>
+            </a:schemeClr>
+          </a:solidFill>
+          <a:ln w="19050">
+            <a:solidFill>
+              <a:schemeClr val="bg1">
+                <a:lumMod val="65000"/>
+              </a:schemeClr>
+            </a:solidFill>
+          </a:ln>
+          <a:effectLst>
+            <a:outerShdw blurRad="50800" dist="38100" dir="2700000" algn="tl" rotWithShape="0">
+              <a:prstClr val="black">
+                <a:alpha val="40000"/>
+              </a:prstClr>
+            </a:outerShdw>
+          </a:effectLst>
+        </p:spPr>
+        <p:style>
+          <a:lnRef idx="2">
+            <a:schemeClr val="accent1">
+              <a:shade val="50000"/>
+            </a:schemeClr>
+          </a:lnRef>
+          <a:fillRef idx="1">
+            <a:schemeClr val="accent1"/>
+          </a:fillRef>
+          <a:effectRef idx="0">
+            <a:schemeClr val="accent1"/>
+          </a:effectRef>
+          <a:fontRef idx="minor">
+            <a:schemeClr val="lt1"/>
+          </a:fontRef>
+        </p:style>
+        <p:txBody>
+          <a:bodyPr rtlCol="0" anchor="ctr"/>
+          <a:lstStyle/>
+          <a:p>
+            <a:pPr algn="ctr"/>
+            <a:endParaRPr lang="en-US" dirty="0">
+              <a:solidFill>
+                <a:schemeClr val="tx1"/>
+              </a:solidFill>
+            </a:endParaRPr>
+          </a:p>
+        </p:txBody>
+      </p:sp>
+      <p:sp>
+        <p:nvSpPr>
+          <p:cNvPr id="58" name="Rectangle 57">
+            <a:extLst>
+              <a:ext uri="{FF2B5EF4-FFF2-40B4-BE49-F238E27FC236}">
+                <a16:creationId xmlns:a16="http://schemas.microsoft.com/office/drawing/2014/main" id="{CE7B3821-3F24-9947-8599-56B3B1D280BA}"/>
+              </a:ext>
+            </a:extLst>
+          </p:cNvPr>
+          <p:cNvSpPr/>
+          <p:nvPr/>
+        </p:nvSpPr>
+        <p:spPr>
+          <a:xfrm>
+            <a:off x="9224534" y="4373886"/>
+            <a:ext cx="582452" cy="354017"/>
+          </a:xfrm>
+          <a:prstGeom prst="rect">
+            <a:avLst/>
+          </a:prstGeom>
+          <a:solidFill>
+            <a:schemeClr val="accent4">
+              <a:lumMod val="20000"/>
+              <a:lumOff val="80000"/>
+            </a:schemeClr>
+          </a:solidFill>
+          <a:ln w="19050">
+            <a:solidFill>
+              <a:schemeClr val="bg1">
+                <a:lumMod val="65000"/>
+              </a:schemeClr>
+            </a:solidFill>
+          </a:ln>
+          <a:effectLst>
+            <a:outerShdw blurRad="50800" dist="38100" dir="2700000" algn="tl" rotWithShape="0">
+              <a:prstClr val="black">
+                <a:alpha val="40000"/>
+              </a:prstClr>
+            </a:outerShdw>
+          </a:effectLst>
+        </p:spPr>
+        <p:style>
+          <a:lnRef idx="2">
+            <a:schemeClr val="accent1">
+              <a:shade val="50000"/>
+            </a:schemeClr>
+          </a:lnRef>
+          <a:fillRef idx="1">
+            <a:schemeClr val="accent1"/>
+          </a:fillRef>
+          <a:effectRef idx="0">
+            <a:schemeClr val="accent1"/>
+          </a:effectRef>
+          <a:fontRef idx="minor">
+            <a:schemeClr val="lt1"/>
+          </a:fontRef>
+        </p:style>
+        <p:txBody>
+          <a:bodyPr rtlCol="0" anchor="ctr"/>
+          <a:lstStyle/>
+          <a:p>
+            <a:pPr algn="ctr"/>
+            <a:endParaRPr lang="en-US" dirty="0">
+              <a:solidFill>
+                <a:schemeClr val="tx1"/>
+              </a:solidFill>
+            </a:endParaRPr>
+          </a:p>
+        </p:txBody>
+      </p:sp>
+      <p:sp>
+        <p:nvSpPr>
+          <p:cNvPr id="59" name="Rectangle 58">
+            <a:extLst>
+              <a:ext uri="{FF2B5EF4-FFF2-40B4-BE49-F238E27FC236}">
+                <a16:creationId xmlns:a16="http://schemas.microsoft.com/office/drawing/2014/main" id="{B7676763-3880-E74C-95AA-5C19A79F798E}"/>
+              </a:ext>
+            </a:extLst>
+          </p:cNvPr>
+          <p:cNvSpPr/>
+          <p:nvPr/>
+        </p:nvSpPr>
+        <p:spPr>
+          <a:xfrm>
+            <a:off x="1740953" y="804508"/>
+            <a:ext cx="2000937" cy="2088233"/>
+          </a:xfrm>
+          <a:prstGeom prst="rect">
+            <a:avLst/>
+          </a:prstGeom>
+          <a:noFill/>
+          <a:ln w="15875">
+            <a:solidFill>
+              <a:schemeClr val="bg1">
+                <a:lumMod val="65000"/>
+              </a:schemeClr>
+            </a:solidFill>
+            <a:prstDash val="sysDot"/>
+          </a:ln>
+          <a:effectLst/>
+        </p:spPr>
+        <p:style>
+          <a:lnRef idx="2">
+            <a:schemeClr val="accent1">
+              <a:shade val="50000"/>
+            </a:schemeClr>
+          </a:lnRef>
+          <a:fillRef idx="1">
+            <a:schemeClr val="accent1"/>
+          </a:fillRef>
+          <a:effectRef idx="0">
+            <a:schemeClr val="accent1"/>
+          </a:effectRef>
+          <a:fontRef idx="minor">
+            <a:schemeClr val="lt1"/>
+          </a:fontRef>
+        </p:style>
+        <p:txBody>
+          <a:bodyPr rtlCol="0" anchor="ctr"/>
+          <a:lstStyle/>
+          <a:p>
+            <a:pPr algn="ctr"/>
+            <a:endParaRPr lang="en-US" dirty="0">
+              <a:solidFill>
+                <a:schemeClr val="tx1"/>
+              </a:solidFill>
+            </a:endParaRPr>
+          </a:p>
+        </p:txBody>
+      </p:sp>
+      <mc:AlternateContent xmlns:mc="http://schemas.openxmlformats.org/markup-compatibility/2006" xmlns:a14="http://schemas.microsoft.com/office/drawing/2010/main">
+        <mc:Choice Requires="a14">
+          <p:sp>
+            <p:nvSpPr>
+              <p:cNvPr id="60" name="TextBox 59">
+                <a:extLst>
+                  <a:ext uri="{FF2B5EF4-FFF2-40B4-BE49-F238E27FC236}">
+                    <a16:creationId xmlns:a16="http://schemas.microsoft.com/office/drawing/2014/main" id="{E08BE653-B69E-3141-9C3F-351FE8040DC1}"/>
+                  </a:ext>
+                </a:extLst>
+              </p:cNvPr>
+              <p:cNvSpPr txBox="1"/>
+              <p:nvPr/>
+            </p:nvSpPr>
+            <p:spPr>
+              <a:xfrm>
+                <a:off x="4110441" y="397870"/>
+                <a:ext cx="945323" cy="307777"/>
+              </a:xfrm>
+              <a:prstGeom prst="rect">
+                <a:avLst/>
+              </a:prstGeom>
+              <a:noFill/>
+            </p:spPr>
+            <p:txBody>
+              <a:bodyPr wrap="none" rtlCol="0">
+                <a:spAutoFit/>
+              </a:bodyPr>
+              <a:lstStyle/>
+              <a:p>
+                <a:r>
+                  <a:rPr lang="en-US" sz="1400" dirty="0"/>
+                  <a:t>Location </a:t>
+                </a:r>
+                <a14:m>
+                  <m:oMath xmlns:m="http://schemas.openxmlformats.org/officeDocument/2006/math">
+                    <m:r>
+                      <a:rPr lang="en-US" sz="1400" b="0" i="1" smtClean="0">
+                        <a:latin typeface="Cambria Math" panose="02040503050406030204" pitchFamily="18" charset="0"/>
+                      </a:rPr>
+                      <m:t>𝑏</m:t>
+                    </m:r>
+                  </m:oMath>
+                </a14:m>
+                <a:endParaRPr lang="en-US" sz="1400" dirty="0"/>
+              </a:p>
+            </p:txBody>
+          </p:sp>
+        </mc:Choice>
+        <mc:Fallback xmlns="">
+          <p:sp>
+            <p:nvSpPr>
+              <p:cNvPr id="60" name="TextBox 59">
+                <a:extLst>
+                  <a:ext uri="{FF2B5EF4-FFF2-40B4-BE49-F238E27FC236}">
+                    <a16:creationId xmlns:a16="http://schemas.microsoft.com/office/drawing/2014/main" id="{E08BE653-B69E-3141-9C3F-351FE8040DC1}"/>
+                  </a:ext>
+                </a:extLst>
+              </p:cNvPr>
+              <p:cNvSpPr txBox="1">
+                <a:spLocks noRot="1" noChangeAspect="1" noMove="1" noResize="1" noEditPoints="1" noAdjustHandles="1" noChangeArrowheads="1" noChangeShapeType="1" noTextEdit="1"/>
+              </p:cNvSpPr>
+              <p:nvPr/>
+            </p:nvSpPr>
+            <p:spPr>
+              <a:xfrm>
+                <a:off x="4110441" y="397870"/>
+                <a:ext cx="945323" cy="307777"/>
+              </a:xfrm>
+              <a:prstGeom prst="rect">
+                <a:avLst/>
+              </a:prstGeom>
+              <a:blipFill>
+                <a:blip r:embed="rId4"/>
+                <a:stretch>
+                  <a:fillRect l="-1333" t="-4000" b="-20000"/>
+                </a:stretch>
+              </a:blipFill>
+            </p:spPr>
+            <p:txBody>
+              <a:bodyPr/>
+              <a:lstStyle/>
+              <a:p>
+                <a:r>
+                  <a:rPr lang="en-US">
+                    <a:noFill/>
+                  </a:rPr>
+                  <a:t> </a:t>
+                </a:r>
+              </a:p>
+            </p:txBody>
+          </p:sp>
+        </mc:Fallback>
+      </mc:AlternateContent>
+      <mc:AlternateContent xmlns:mc="http://schemas.openxmlformats.org/markup-compatibility/2006" xmlns:a14="http://schemas.microsoft.com/office/drawing/2010/main">
+        <mc:Choice Requires="a14">
+          <p:sp>
+            <p:nvSpPr>
+              <p:cNvPr id="61" name="TextBox 60">
+                <a:extLst>
+                  <a:ext uri="{FF2B5EF4-FFF2-40B4-BE49-F238E27FC236}">
+                    <a16:creationId xmlns:a16="http://schemas.microsoft.com/office/drawing/2014/main" id="{2BE4A0E8-4EF7-C245-B5E2-99395D2DC1BA}"/>
+                  </a:ext>
+                </a:extLst>
+              </p:cNvPr>
+              <p:cNvSpPr txBox="1"/>
+              <p:nvPr/>
+            </p:nvSpPr>
+            <p:spPr>
+              <a:xfrm>
+                <a:off x="6891768" y="1034591"/>
+                <a:ext cx="934230" cy="307777"/>
+              </a:xfrm>
+              <a:prstGeom prst="rect">
+                <a:avLst/>
+              </a:prstGeom>
+              <a:noFill/>
+            </p:spPr>
+            <p:txBody>
+              <a:bodyPr wrap="none" rtlCol="0">
+                <a:spAutoFit/>
+              </a:bodyPr>
+              <a:lstStyle/>
+              <a:p>
+                <a:r>
+                  <a:rPr lang="en-US" sz="1400" dirty="0"/>
+                  <a:t>Location </a:t>
+                </a:r>
+                <a14:m>
+                  <m:oMath xmlns:m="http://schemas.openxmlformats.org/officeDocument/2006/math">
+                    <m:r>
+                      <a:rPr lang="en-US" sz="1400" b="0" i="1" smtClean="0">
+                        <a:latin typeface="Cambria Math" panose="02040503050406030204" pitchFamily="18" charset="0"/>
+                      </a:rPr>
+                      <m:t>𝑐</m:t>
+                    </m:r>
+                  </m:oMath>
+                </a14:m>
+                <a:endParaRPr lang="en-US" sz="1400" dirty="0"/>
+              </a:p>
+            </p:txBody>
+          </p:sp>
+        </mc:Choice>
+        <mc:Fallback xmlns="">
+          <p:sp>
+            <p:nvSpPr>
+              <p:cNvPr id="61" name="TextBox 60">
+                <a:extLst>
+                  <a:ext uri="{FF2B5EF4-FFF2-40B4-BE49-F238E27FC236}">
+                    <a16:creationId xmlns:a16="http://schemas.microsoft.com/office/drawing/2014/main" id="{2BE4A0E8-4EF7-C245-B5E2-99395D2DC1BA}"/>
+                  </a:ext>
+                </a:extLst>
+              </p:cNvPr>
+              <p:cNvSpPr txBox="1">
+                <a:spLocks noRot="1" noChangeAspect="1" noMove="1" noResize="1" noEditPoints="1" noAdjustHandles="1" noChangeArrowheads="1" noChangeShapeType="1" noTextEdit="1"/>
+              </p:cNvSpPr>
+              <p:nvPr/>
+            </p:nvSpPr>
+            <p:spPr>
+              <a:xfrm>
+                <a:off x="6891768" y="1034591"/>
+                <a:ext cx="934230" cy="307777"/>
+              </a:xfrm>
+              <a:prstGeom prst="rect">
+                <a:avLst/>
+              </a:prstGeom>
+              <a:blipFill>
+                <a:blip r:embed="rId5"/>
+                <a:stretch>
+                  <a:fillRect l="-2667" t="-4000" b="-20000"/>
+                </a:stretch>
+              </a:blipFill>
+            </p:spPr>
+            <p:txBody>
+              <a:bodyPr/>
+              <a:lstStyle/>
+              <a:p>
+                <a:r>
+                  <a:rPr lang="en-US">
+                    <a:noFill/>
+                  </a:rPr>
+                  <a:t> </a:t>
+                </a:r>
+              </a:p>
+            </p:txBody>
+          </p:sp>
+        </mc:Fallback>
+      </mc:AlternateContent>
+      <p:sp>
+        <p:nvSpPr>
+          <p:cNvPr id="62" name="Rectangle 61">
+            <a:extLst>
+              <a:ext uri="{FF2B5EF4-FFF2-40B4-BE49-F238E27FC236}">
+                <a16:creationId xmlns:a16="http://schemas.microsoft.com/office/drawing/2014/main" id="{F33C77EC-C533-B746-BD86-2E1411410EE4}"/>
+              </a:ext>
+            </a:extLst>
+          </p:cNvPr>
+          <p:cNvSpPr/>
+          <p:nvPr/>
+        </p:nvSpPr>
+        <p:spPr>
+          <a:xfrm>
+            <a:off x="4335977" y="692492"/>
+            <a:ext cx="2000937" cy="1702737"/>
+          </a:xfrm>
+          <a:prstGeom prst="rect">
+            <a:avLst/>
+          </a:prstGeom>
+          <a:noFill/>
+          <a:ln w="15875">
+            <a:solidFill>
+              <a:schemeClr val="bg1">
+                <a:lumMod val="65000"/>
+              </a:schemeClr>
+            </a:solidFill>
+            <a:prstDash val="sysDot"/>
+          </a:ln>
+          <a:effectLst/>
+        </p:spPr>
+        <p:style>
+          <a:lnRef idx="2">
+            <a:schemeClr val="accent1">
+              <a:shade val="50000"/>
+            </a:schemeClr>
+          </a:lnRef>
+          <a:fillRef idx="1">
+            <a:schemeClr val="accent1"/>
+          </a:fillRef>
+          <a:effectRef idx="0">
+            <a:schemeClr val="accent1"/>
+          </a:effectRef>
+          <a:fontRef idx="minor">
+            <a:schemeClr val="lt1"/>
+          </a:fontRef>
+        </p:style>
+        <p:txBody>
+          <a:bodyPr rtlCol="0" anchor="ctr"/>
+          <a:lstStyle/>
+          <a:p>
+            <a:pPr algn="ctr"/>
+            <a:endParaRPr lang="en-US" dirty="0">
+              <a:solidFill>
+                <a:schemeClr val="tx1"/>
+              </a:solidFill>
+            </a:endParaRPr>
+          </a:p>
+        </p:txBody>
+      </p:sp>
+      <p:sp>
+        <p:nvSpPr>
+          <p:cNvPr id="65" name="Rectangle 64">
+            <a:extLst>
+              <a:ext uri="{FF2B5EF4-FFF2-40B4-BE49-F238E27FC236}">
+                <a16:creationId xmlns:a16="http://schemas.microsoft.com/office/drawing/2014/main" id="{C0BD9F9B-C3CE-A344-8FD1-C7FD107FBC10}"/>
+              </a:ext>
+            </a:extLst>
+          </p:cNvPr>
+          <p:cNvSpPr/>
+          <p:nvPr/>
+        </p:nvSpPr>
+        <p:spPr>
+          <a:xfrm>
+            <a:off x="6907270" y="1305887"/>
+            <a:ext cx="1822912" cy="1702737"/>
+          </a:xfrm>
+          <a:prstGeom prst="rect">
+            <a:avLst/>
+          </a:prstGeom>
+          <a:noFill/>
+          <a:ln w="15875">
+            <a:solidFill>
+              <a:schemeClr val="bg1">
+                <a:lumMod val="65000"/>
+              </a:schemeClr>
+            </a:solidFill>
+            <a:prstDash val="sysDot"/>
+          </a:ln>
+          <a:effectLst/>
+        </p:spPr>
+        <p:style>
+          <a:lnRef idx="2">
+            <a:schemeClr val="accent1">
+              <a:shade val="50000"/>
+            </a:schemeClr>
+          </a:lnRef>
+          <a:fillRef idx="1">
+            <a:schemeClr val="accent1"/>
+          </a:fillRef>
+          <a:effectRef idx="0">
+            <a:schemeClr val="accent1"/>
+          </a:effectRef>
+          <a:fontRef idx="minor">
+            <a:schemeClr val="lt1"/>
+          </a:fontRef>
+        </p:style>
+        <p:txBody>
+          <a:bodyPr rtlCol="0" anchor="ctr"/>
+          <a:lstStyle/>
+          <a:p>
+            <a:pPr algn="ctr"/>
+            <a:endParaRPr lang="en-US" dirty="0">
+              <a:solidFill>
+                <a:schemeClr val="tx1"/>
+              </a:solidFill>
+            </a:endParaRPr>
+          </a:p>
+        </p:txBody>
+      </p:sp>
+      <p:sp>
+        <p:nvSpPr>
+          <p:cNvPr id="66" name="Rectangle 65">
+            <a:extLst>
+              <a:ext uri="{FF2B5EF4-FFF2-40B4-BE49-F238E27FC236}">
+                <a16:creationId xmlns:a16="http://schemas.microsoft.com/office/drawing/2014/main" id="{EF0BF030-8DD5-564C-A2F0-19EE9B651363}"/>
+              </a:ext>
+            </a:extLst>
+          </p:cNvPr>
+          <p:cNvSpPr/>
+          <p:nvPr/>
+        </p:nvSpPr>
+        <p:spPr>
+          <a:xfrm>
+            <a:off x="1242123" y="4577106"/>
+            <a:ext cx="582452" cy="354017"/>
+          </a:xfrm>
+          <a:prstGeom prst="rect">
+            <a:avLst/>
+          </a:prstGeom>
+          <a:solidFill>
+            <a:schemeClr val="accent4">
+              <a:lumMod val="20000"/>
+              <a:lumOff val="80000"/>
+            </a:schemeClr>
+          </a:solidFill>
+          <a:ln w="19050">
+            <a:solidFill>
+              <a:schemeClr val="bg1">
+                <a:lumMod val="65000"/>
+              </a:schemeClr>
+            </a:solidFill>
+          </a:ln>
+          <a:effectLst>
+            <a:outerShdw blurRad="50800" dist="38100" dir="2700000" algn="tl" rotWithShape="0">
+              <a:prstClr val="black">
+                <a:alpha val="40000"/>
+              </a:prstClr>
+            </a:outerShdw>
+          </a:effectLst>
+        </p:spPr>
+        <p:style>
+          <a:lnRef idx="2">
+            <a:schemeClr val="accent1">
+              <a:shade val="50000"/>
+            </a:schemeClr>
+          </a:lnRef>
+          <a:fillRef idx="1">
+            <a:schemeClr val="accent1"/>
+          </a:fillRef>
+          <a:effectRef idx="0">
+            <a:schemeClr val="accent1"/>
+          </a:effectRef>
+          <a:fontRef idx="minor">
+            <a:schemeClr val="lt1"/>
+          </a:fontRef>
+        </p:style>
+        <p:txBody>
+          <a:bodyPr rtlCol="0" anchor="ctr"/>
+          <a:lstStyle/>
+          <a:p>
+            <a:pPr algn="ctr"/>
+            <a:endParaRPr lang="en-US" dirty="0">
+              <a:solidFill>
+                <a:schemeClr val="tx1"/>
+              </a:solidFill>
+            </a:endParaRPr>
+          </a:p>
+        </p:txBody>
+      </p:sp>
+      <p:sp>
+        <p:nvSpPr>
+          <p:cNvPr id="67" name="Rectangle 66">
+            <a:extLst>
+              <a:ext uri="{FF2B5EF4-FFF2-40B4-BE49-F238E27FC236}">
+                <a16:creationId xmlns:a16="http://schemas.microsoft.com/office/drawing/2014/main" id="{C331A9BA-AFCF-DB41-A561-B5B49E776DD0}"/>
+              </a:ext>
+            </a:extLst>
+          </p:cNvPr>
+          <p:cNvSpPr/>
+          <p:nvPr/>
+        </p:nvSpPr>
+        <p:spPr>
+          <a:xfrm>
+            <a:off x="9376934" y="4526286"/>
+            <a:ext cx="582452" cy="354017"/>
+          </a:xfrm>
+          <a:prstGeom prst="rect">
+            <a:avLst/>
+          </a:prstGeom>
+          <a:solidFill>
+            <a:schemeClr val="accent4">
+              <a:lumMod val="20000"/>
+              <a:lumOff val="80000"/>
+            </a:schemeClr>
+          </a:solidFill>
+          <a:ln w="19050">
+            <a:solidFill>
+              <a:schemeClr val="bg1">
+                <a:lumMod val="65000"/>
+              </a:schemeClr>
+            </a:solidFill>
+          </a:ln>
+          <a:effectLst>
+            <a:outerShdw blurRad="50800" dist="38100" dir="2700000" algn="tl" rotWithShape="0">
+              <a:prstClr val="black">
+                <a:alpha val="40000"/>
+              </a:prstClr>
+            </a:outerShdw>
+          </a:effectLst>
+        </p:spPr>
+        <p:style>
+          <a:lnRef idx="2">
+            <a:schemeClr val="accent1">
+              <a:shade val="50000"/>
+            </a:schemeClr>
+          </a:lnRef>
+          <a:fillRef idx="1">
+            <a:schemeClr val="accent1"/>
+          </a:fillRef>
+          <a:effectRef idx="0">
+            <a:schemeClr val="accent1"/>
+          </a:effectRef>
+          <a:fontRef idx="minor">
+            <a:schemeClr val="lt1"/>
+          </a:fontRef>
+        </p:style>
+        <p:txBody>
+          <a:bodyPr rtlCol="0" anchor="ctr"/>
+          <a:lstStyle/>
+          <a:p>
+            <a:pPr algn="ctr"/>
+            <a:endParaRPr lang="en-US" dirty="0">
+              <a:solidFill>
+                <a:schemeClr val="tx1"/>
+              </a:solidFill>
+            </a:endParaRPr>
+          </a:p>
+        </p:txBody>
+      </p:sp>
+      <p:sp>
+        <p:nvSpPr>
+          <p:cNvPr id="68" name="Rectangle 67">
+            <a:extLst>
+              <a:ext uri="{FF2B5EF4-FFF2-40B4-BE49-F238E27FC236}">
+                <a16:creationId xmlns:a16="http://schemas.microsoft.com/office/drawing/2014/main" id="{FC425E9B-B4F6-C74A-8B1E-6895C2071176}"/>
+              </a:ext>
+            </a:extLst>
+          </p:cNvPr>
+          <p:cNvSpPr/>
+          <p:nvPr/>
+        </p:nvSpPr>
+        <p:spPr>
+          <a:xfrm>
+            <a:off x="9529334" y="4678686"/>
+            <a:ext cx="582452" cy="354017"/>
+          </a:xfrm>
+          <a:prstGeom prst="rect">
+            <a:avLst/>
+          </a:prstGeom>
+          <a:solidFill>
+            <a:schemeClr val="accent4">
+              <a:lumMod val="20000"/>
+              <a:lumOff val="80000"/>
+            </a:schemeClr>
+          </a:solidFill>
+          <a:ln w="19050">
+            <a:solidFill>
+              <a:schemeClr val="bg1">
+                <a:lumMod val="65000"/>
+              </a:schemeClr>
+            </a:solidFill>
+          </a:ln>
+          <a:effectLst>
+            <a:outerShdw blurRad="50800" dist="38100" dir="2700000" algn="tl" rotWithShape="0">
+              <a:prstClr val="black">
+                <a:alpha val="40000"/>
+              </a:prstClr>
+            </a:outerShdw>
+          </a:effectLst>
+        </p:spPr>
+        <p:style>
+          <a:lnRef idx="2">
+            <a:schemeClr val="accent1">
+              <a:shade val="50000"/>
+            </a:schemeClr>
+          </a:lnRef>
+          <a:fillRef idx="1">
+            <a:schemeClr val="accent1"/>
+          </a:fillRef>
+          <a:effectRef idx="0">
+            <a:schemeClr val="accent1"/>
+          </a:effectRef>
+          <a:fontRef idx="minor">
+            <a:schemeClr val="lt1"/>
+          </a:fontRef>
+        </p:style>
+        <p:txBody>
+          <a:bodyPr rtlCol="0" anchor="ctr"/>
+          <a:lstStyle/>
+          <a:p>
+            <a:pPr algn="ctr"/>
+            <a:endParaRPr lang="en-US" dirty="0">
+              <a:solidFill>
+                <a:schemeClr val="tx1"/>
+              </a:solidFill>
+            </a:endParaRPr>
+          </a:p>
+        </p:txBody>
+      </p:sp>
+      <p:sp>
+        <p:nvSpPr>
+          <p:cNvPr id="50" name="Parallelogram 49">
+            <a:extLst>
+              <a:ext uri="{FF2B5EF4-FFF2-40B4-BE49-F238E27FC236}">
+                <a16:creationId xmlns:a16="http://schemas.microsoft.com/office/drawing/2014/main" id="{F4883830-5661-E644-A0A8-B6281BD3935C}"/>
               </a:ext>
             </a:extLst>
           </p:cNvPr>
@@ -13437,9 +13521,8 @@
             <a:avLst/>
           </a:prstGeom>
           <a:solidFill>
-            <a:schemeClr val="accent4">
-              <a:lumMod val="60000"/>
-              <a:lumOff val="40000"/>
+            <a:schemeClr val="bg1">
+              <a:lumMod val="50000"/>
             </a:schemeClr>
           </a:solidFill>
           <a:ln>
@@ -13472,11 +13555,7 @@
           <a:p>
             <a:pPr algn="ctr"/>
             <a:r>
-              <a:rPr lang="en-US" sz="1400" dirty="0">
-                <a:solidFill>
-                  <a:schemeClr val="tx1"/>
-                </a:solidFill>
-              </a:rPr>
+              <a:rPr lang="en-US" sz="1400" dirty="0"/>
               <a:t>Requirements</a:t>
             </a:r>
           </a:p>
@@ -13484,10 +13563,10 @@
       </p:sp>
       <p:sp>
         <p:nvSpPr>
-          <p:cNvPr id="5" name="Parallelogram 4">
-            <a:extLst>
-              <a:ext uri="{FF2B5EF4-FFF2-40B4-BE49-F238E27FC236}">
-                <a16:creationId xmlns:a16="http://schemas.microsoft.com/office/drawing/2014/main" id="{B1B65CA9-5299-5048-9BE0-65DDFA2A4217}"/>
+          <p:cNvPr id="51" name="Parallelogram 50">
+            <a:extLst>
+              <a:ext uri="{FF2B5EF4-FFF2-40B4-BE49-F238E27FC236}">
+                <a16:creationId xmlns:a16="http://schemas.microsoft.com/office/drawing/2014/main" id="{9A16E389-8D96-F147-877A-E88CD55CD775}"/>
               </a:ext>
             </a:extLst>
           </p:cNvPr>
@@ -13503,8 +13582,9 @@
             <a:avLst/>
           </a:prstGeom>
           <a:solidFill>
-            <a:schemeClr val="bg1">
-              <a:lumMod val="50000"/>
+            <a:schemeClr val="accent4">
+              <a:lumMod val="60000"/>
+              <a:lumOff val="40000"/>
             </a:schemeClr>
           </a:solidFill>
           <a:ln>
@@ -13537,7 +13617,11 @@
           <a:p>
             <a:pPr algn="ctr"/>
             <a:r>
-              <a:rPr lang="en-US" sz="1400" dirty="0"/>
+              <a:rPr lang="en-US" sz="1400" dirty="0">
+                <a:solidFill>
+                  <a:schemeClr val="tx1"/>
+                </a:solidFill>
+              </a:rPr>
               <a:t>Design Thoughts</a:t>
             </a:r>
           </a:p>
@@ -13545,10 +13629,10 @@
       </p:sp>
       <p:sp>
         <p:nvSpPr>
-          <p:cNvPr id="6" name="Parallelogram 5">
-            <a:extLst>
-              <a:ext uri="{FF2B5EF4-FFF2-40B4-BE49-F238E27FC236}">
-                <a16:creationId xmlns:a16="http://schemas.microsoft.com/office/drawing/2014/main" id="{BD2B2946-9CE3-A242-AE74-B2217A2ED544}"/>
+          <p:cNvPr id="63" name="Parallelogram 62">
+            <a:extLst>
+              <a:ext uri="{FF2B5EF4-FFF2-40B4-BE49-F238E27FC236}">
+                <a16:creationId xmlns:a16="http://schemas.microsoft.com/office/drawing/2014/main" id="{9E0C258D-2D42-E449-A97E-BB789D17F218}"/>
               </a:ext>
             </a:extLst>
           </p:cNvPr>
@@ -13604,96 +13688,10 @@
           </a:p>
         </p:txBody>
       </p:sp>
-      <p:pic>
-        <p:nvPicPr>
-          <p:cNvPr id="7" name="Picture 2" descr="What is the CAP Theorem? - Hazelcast">
-            <a:extLst>
-              <a:ext uri="{FF2B5EF4-FFF2-40B4-BE49-F238E27FC236}">
-                <a16:creationId xmlns:a16="http://schemas.microsoft.com/office/drawing/2014/main" id="{83F4FE81-5EFE-774A-8776-265B3D95A129}"/>
-              </a:ext>
-            </a:extLst>
-          </p:cNvPr>
-          <p:cNvPicPr>
-            <a:picLocks noChangeAspect="1" noChangeArrowheads="1"/>
-          </p:cNvPicPr>
-          <p:nvPr/>
-        </p:nvPicPr>
-        <p:blipFill>
-          <a:blip r:embed="rId2">
-            <a:extLst>
-              <a:ext uri="{28A0092B-C50C-407E-A947-70E740481C1C}">
-                <a14:useLocalDpi xmlns:a14="http://schemas.microsoft.com/office/drawing/2010/main" val="0"/>
-              </a:ext>
-            </a:extLst>
-          </a:blip>
-          <a:srcRect/>
-          <a:stretch>
-            <a:fillRect/>
-          </a:stretch>
-        </p:blipFill>
-        <p:spPr bwMode="auto">
-          <a:xfrm>
-            <a:off x="7225982" y="1396378"/>
-            <a:ext cx="3637362" cy="3423400"/>
-          </a:xfrm>
-          <a:prstGeom prst="rect">
-            <a:avLst/>
-          </a:prstGeom>
-          <a:noFill/>
-          <a:extLst>
-            <a:ext uri="{909E8E84-426E-40DD-AFC4-6F175D3DCCD1}">
-              <a14:hiddenFill xmlns:a14="http://schemas.microsoft.com/office/drawing/2010/main">
-                <a:solidFill>
-                  <a:srgbClr val="FFFFFF"/>
-                </a:solidFill>
-              </a14:hiddenFill>
-            </a:ext>
-          </a:extLst>
-        </p:spPr>
-      </p:pic>
-      <p:sp>
-        <p:nvSpPr>
-          <p:cNvPr id="8" name="TextBox 7">
-            <a:extLst>
-              <a:ext uri="{FF2B5EF4-FFF2-40B4-BE49-F238E27FC236}">
-                <a16:creationId xmlns:a16="http://schemas.microsoft.com/office/drawing/2014/main" id="{FFEB5B27-52AF-514C-B81C-241B35DD9034}"/>
-              </a:ext>
-            </a:extLst>
-          </p:cNvPr>
-          <p:cNvSpPr txBox="1"/>
-          <p:nvPr/>
-        </p:nvSpPr>
-        <p:spPr>
-          <a:xfrm>
-            <a:off x="9503216" y="173777"/>
-            <a:ext cx="2557303" cy="369332"/>
-          </a:xfrm>
-          <a:prstGeom prst="rect">
-            <a:avLst/>
-          </a:prstGeom>
-          <a:noFill/>
-        </p:spPr>
-        <p:txBody>
-          <a:bodyPr wrap="none" rtlCol="0">
-            <a:spAutoFit/>
-          </a:bodyPr>
-          <a:lstStyle/>
-          <a:p>
-            <a:r>
-              <a:rPr lang="en-US" b="1" dirty="0">
-                <a:solidFill>
-                  <a:srgbClr val="00B050"/>
-                </a:solidFill>
-              </a:rPr>
-              <a:t>* Innovation possibilities</a:t>
-            </a:r>
-          </a:p>
-        </p:txBody>
-      </p:sp>
     </p:spTree>
     <p:extLst>
       <p:ext uri="{BB962C8B-B14F-4D97-AF65-F5344CB8AC3E}">
-        <p14:creationId xmlns:p14="http://schemas.microsoft.com/office/powerpoint/2010/main" val="2864839004"/>
+        <p14:creationId xmlns:p14="http://schemas.microsoft.com/office/powerpoint/2010/main" val="2162261002"/>
       </p:ext>
     </p:extLst>
   </p:cSld>
